--- a/CMQA/Presentations/Tom Slides/Tom Slides.pptx
+++ b/CMQA/Presentations/Tom Slides/Tom Slides.pptx
@@ -3119,31 +3119,6 @@
           <a:chExt cx="0" cy="0"/>
         </a:xfrm>
       </p:grpSpPr>
-      <p:sp>
-        <p:nvSpPr>
-          <p:cNvPr id="2" name="Title 1"/>
-          <p:cNvSpPr>
-            <a:spLocks noGrp="1"/>
-          </p:cNvSpPr>
-          <p:nvPr>
-            <p:ph type="title"/>
-          </p:nvPr>
-        </p:nvSpPr>
-        <p:spPr/>
-        <p:txBody>
-          <a:bodyPr>
-            <a:normAutofit/>
-          </a:bodyPr>
-          <a:lstStyle/>
-          <a:p>
-            <a:r>
-              <a:rPr lang="en-US" i="1" dirty="0" smtClean="0"/>
-              <a:t>Requirement Number</a:t>
-            </a:r>
-            <a:endParaRPr lang="en-US" i="1" dirty="0"/>
-          </a:p>
-        </p:txBody>
-      </p:sp>
       <p:graphicFrame>
         <p:nvGraphicFramePr>
           <p:cNvPr id="4" name="Content Placeholder 3"/>
@@ -3160,8 +3135,8 @@
           </p:nvPr>
         </p:nvGraphicFramePr>
         <p:xfrm>
-          <a:off x="457200" y="1371600"/>
-          <a:ext cx="8229600" cy="1112520"/>
+          <a:off x="533400" y="1143000"/>
+          <a:ext cx="8229600" cy="1656080"/>
         </p:xfrm>
         <a:graphic>
           <a:graphicData uri="http://schemas.openxmlformats.org/drawingml/2006/table">
@@ -3249,7 +3224,7 @@
                             <a:schemeClr val="tx1"/>
                           </a:solidFill>
                         </a:rPr>
-                        <a:t>1   (Section 3.0)</a:t>
+                        <a:t>RCL.PLE.MOP3</a:t>
                       </a:r>
                       <a:endParaRPr lang="en-US" b="1" dirty="0">
                         <a:solidFill>
@@ -3388,23 +3363,7 @@
                             <a:schemeClr val="tx1"/>
                           </a:solidFill>
                         </a:rPr>
-                        <a:t>“</a:t>
-                      </a:r>
-                      <a:r>
-                        <a:rPr lang="en-US" b="1" i="1" dirty="0" smtClean="0">
-                          <a:solidFill>
-                            <a:schemeClr val="tx1"/>
-                          </a:solidFill>
-                        </a:rPr>
-                        <a:t>Word</a:t>
-                      </a:r>
-                      <a:r>
-                        <a:rPr lang="en-US" b="1" i="1" baseline="0" dirty="0" smtClean="0">
-                          <a:solidFill>
-                            <a:schemeClr val="tx1"/>
-                          </a:solidFill>
-                        </a:rPr>
-                        <a:t> for word Requirement”</a:t>
+                        <a:t>“The CubeSat System Shall Establish Communication between Itself and the SSRL Ground Station”</a:t>
                       </a:r>
                       <a:endParaRPr lang="en-US" b="1" dirty="0">
                         <a:solidFill>
@@ -3530,38 +3489,14 @@
                     <a:lstStyle/>
                     <a:p>
                       <a:r>
-                        <a:rPr lang="en-US" b="1" i="1" dirty="0" smtClean="0">
+                        <a:rPr lang="en-US" b="1" i="0" dirty="0" smtClean="0">
                           <a:solidFill>
                             <a:schemeClr val="tx1"/>
                           </a:solidFill>
                         </a:rPr>
-                        <a:t>Test,</a:t>
+                        <a:t>Analyze</a:t>
                       </a:r>
-                      <a:r>
-                        <a:rPr lang="en-US" b="1" i="1" baseline="0" dirty="0" smtClean="0">
-                          <a:solidFill>
-                            <a:schemeClr val="tx1"/>
-                          </a:solidFill>
-                        </a:rPr>
-                        <a:t> Analyze, Examine, </a:t>
-                      </a:r>
-                      <a:r>
-                        <a:rPr lang="en-US" b="1" i="0" baseline="0" dirty="0" smtClean="0">
-                          <a:solidFill>
-                            <a:schemeClr val="tx1"/>
-                          </a:solidFill>
-                        </a:rPr>
-                        <a:t>or</a:t>
-                      </a:r>
-                      <a:r>
-                        <a:rPr lang="en-US" b="1" i="1" baseline="0" dirty="0" smtClean="0">
-                          <a:solidFill>
-                            <a:schemeClr val="tx1"/>
-                          </a:solidFill>
-                        </a:rPr>
-                        <a:t> Demo</a:t>
-                      </a:r>
-                      <a:endParaRPr lang="en-US" b="1" i="1" dirty="0">
+                      <a:endParaRPr lang="en-US" b="1" i="0" dirty="0">
                         <a:solidFill>
                           <a:schemeClr val="tx1"/>
                         </a:solidFill>
@@ -3626,8 +3561,8 @@
         </p:nvSpPr>
         <p:spPr>
           <a:xfrm>
-            <a:off x="381000" y="3676471"/>
-            <a:ext cx="8305800" cy="830997"/>
+            <a:off x="457200" y="2971800"/>
+            <a:ext cx="8305800" cy="1938992"/>
           </a:xfrm>
           <a:prstGeom prst="rect">
             <a:avLst/>
@@ -3640,11 +3575,20 @@
           </a:bodyPr>
           <a:lstStyle/>
           <a:p>
-            <a:r>
-              <a:rPr lang="en-US" sz="2400" b="1" i="1" dirty="0" smtClean="0"/>
-              <a:t>Sentence summary of any terms that need explaining. Also include images, where necessary</a:t>
-            </a:r>
-            <a:endParaRPr lang="en-US" sz="2400" b="1" i="1" dirty="0"/>
+            <a:pPr algn="just"/>
+            <a:r>
+              <a:rPr lang="en-US" sz="2400" b="1" dirty="0" smtClean="0"/>
+              <a:t>The verification of successfully meeting subsequent requirements necessitates a communication link between the CubeSat system and the ground.</a:t>
+            </a:r>
+            <a:r>
+              <a:rPr lang="en-US" sz="2400" b="1" dirty="0"/>
+              <a:t> </a:t>
+            </a:r>
+            <a:r>
+              <a:rPr lang="en-US" sz="2400" b="1" dirty="0" smtClean="0"/>
+              <a:t>This allows for post-maneuver verification of relative distances, roll rates, and fuel burn over the course of the mission.</a:t>
+            </a:r>
+            <a:endParaRPr lang="en-US" sz="2400" b="1" dirty="0" smtClean="0"/>
           </a:p>
         </p:txBody>
       </p:sp>

--- a/CMQA/Presentations/Tom Slides/Tom Slides.pptx
+++ b/CMQA/Presentations/Tom Slides/Tom Slides.pptx
@@ -6,6 +6,7 @@
   </p:sldMasterIdLst>
   <p:sldIdLst>
     <p:sldId id="257" r:id="rId2"/>
+    <p:sldId id="258" r:id="rId3"/>
   </p:sldIdLst>
   <p:sldSz cx="9144000" cy="6858000" type="screen4x3"/>
   <p:notesSz cx="6858000" cy="9144000"/>
@@ -3605,6 +3606,517 @@
 </p:sld>
 </file>
 
+<file path=ppt/slides/slide2.xml><?xml version="1.0" encoding="utf-8"?>
+<p:sld xmlns:a="http://schemas.openxmlformats.org/drawingml/2006/main" xmlns:r="http://schemas.openxmlformats.org/officeDocument/2006/relationships" xmlns:p="http://schemas.openxmlformats.org/presentationml/2006/main">
+  <p:cSld>
+    <p:spTree>
+      <p:nvGrpSpPr>
+        <p:cNvPr id="1" name=""/>
+        <p:cNvGrpSpPr/>
+        <p:nvPr/>
+      </p:nvGrpSpPr>
+      <p:grpSpPr>
+        <a:xfrm>
+          <a:off x="0" y="0"/>
+          <a:ext cx="0" cy="0"/>
+          <a:chOff x="0" y="0"/>
+          <a:chExt cx="0" cy="0"/>
+        </a:xfrm>
+      </p:grpSpPr>
+      <p:graphicFrame>
+        <p:nvGraphicFramePr>
+          <p:cNvPr id="4" name="Content Placeholder 3"/>
+          <p:cNvGraphicFramePr>
+            <a:graphicFrameLocks noGrp="1"/>
+          </p:cNvGraphicFramePr>
+          <p:nvPr>
+            <p:ph idx="1"/>
+            <p:extLst>
+              <p:ext uri="{D42A27DB-BD31-4B8C-83A1-F6EECF244321}">
+                <p14:modId xmlns:p14="http://schemas.microsoft.com/office/powerpoint/2010/main" xmlns="" val="1483644448"/>
+              </p:ext>
+            </p:extLst>
+          </p:nvPr>
+        </p:nvGraphicFramePr>
+        <p:xfrm>
+          <a:off x="533400" y="1143000"/>
+          <a:ext cx="8229600" cy="1381760"/>
+        </p:xfrm>
+        <a:graphic>
+          <a:graphicData uri="http://schemas.openxmlformats.org/drawingml/2006/table">
+            <a:tbl>
+              <a:tblPr firstRow="1" bandRow="1">
+                <a:tableStyleId>{5C22544A-7EE6-4342-B048-85BDC9FD1C3A}</a:tableStyleId>
+              </a:tblPr>
+              <a:tblGrid>
+                <a:gridCol w="3200400"/>
+                <a:gridCol w="5029200"/>
+              </a:tblGrid>
+              <a:tr h="370840">
+                <a:tc>
+                  <a:txBody>
+                    <a:bodyPr/>
+                    <a:lstStyle/>
+                    <a:p>
+                      <a:r>
+                        <a:rPr lang="en-US" b="0" dirty="0" smtClean="0">
+                          <a:solidFill>
+                            <a:schemeClr val="bg1"/>
+                          </a:solidFill>
+                        </a:rPr>
+                        <a:t> RVM Requirement Number</a:t>
+                      </a:r>
+                      <a:endParaRPr lang="en-US" b="0" dirty="0">
+                        <a:solidFill>
+                          <a:schemeClr val="bg1"/>
+                        </a:solidFill>
+                      </a:endParaRPr>
+                    </a:p>
+                  </a:txBody>
+                  <a:tcPr anchor="ctr">
+                    <a:lnL w="12700" cap="flat" cmpd="sng" algn="ctr">
+                      <a:solidFill>
+                        <a:schemeClr val="tx1"/>
+                      </a:solidFill>
+                      <a:prstDash val="solid"/>
+                      <a:round/>
+                      <a:headEnd type="none" w="med" len="med"/>
+                      <a:tailEnd type="none" w="med" len="med"/>
+                    </a:lnL>
+                    <a:lnR w="12700" cap="flat" cmpd="sng" algn="ctr">
+                      <a:solidFill>
+                        <a:schemeClr val="tx1"/>
+                      </a:solidFill>
+                      <a:prstDash val="solid"/>
+                      <a:round/>
+                      <a:headEnd type="none" w="med" len="med"/>
+                      <a:tailEnd type="none" w="med" len="med"/>
+                    </a:lnR>
+                    <a:lnT w="12700" cap="flat" cmpd="sng" algn="ctr">
+                      <a:solidFill>
+                        <a:schemeClr val="tx1"/>
+                      </a:solidFill>
+                      <a:prstDash val="solid"/>
+                      <a:round/>
+                      <a:headEnd type="none" w="med" len="med"/>
+                      <a:tailEnd type="none" w="med" len="med"/>
+                    </a:lnT>
+                    <a:lnB w="12700" cap="flat" cmpd="sng" algn="ctr">
+                      <a:solidFill>
+                        <a:schemeClr val="tx1"/>
+                      </a:solidFill>
+                      <a:prstDash val="solid"/>
+                      <a:round/>
+                      <a:headEnd type="none" w="med" len="med"/>
+                      <a:tailEnd type="none" w="med" len="med"/>
+                    </a:lnB>
+                    <a:solidFill>
+                      <a:schemeClr val="tx2">
+                        <a:lumMod val="75000"/>
+                      </a:schemeClr>
+                    </a:solidFill>
+                  </a:tcPr>
+                </a:tc>
+                <a:tc>
+                  <a:txBody>
+                    <a:bodyPr/>
+                    <a:lstStyle/>
+                    <a:p>
+                      <a:r>
+                        <a:rPr lang="en-US" b="1" dirty="0" smtClean="0">
+                          <a:solidFill>
+                            <a:schemeClr val="tx1"/>
+                          </a:solidFill>
+                        </a:rPr>
+                        <a:t>RCL.PLE.MOP4</a:t>
+                      </a:r>
+                      <a:endParaRPr lang="en-US" b="1" dirty="0">
+                        <a:solidFill>
+                          <a:schemeClr val="tx1"/>
+                        </a:solidFill>
+                      </a:endParaRPr>
+                    </a:p>
+                  </a:txBody>
+                  <a:tcPr>
+                    <a:lnL w="12700" cap="flat" cmpd="sng" algn="ctr">
+                      <a:solidFill>
+                        <a:schemeClr val="tx1"/>
+                      </a:solidFill>
+                      <a:prstDash val="solid"/>
+                      <a:round/>
+                      <a:headEnd type="none" w="med" len="med"/>
+                      <a:tailEnd type="none" w="med" len="med"/>
+                    </a:lnL>
+                    <a:lnR w="12700" cap="flat" cmpd="sng" algn="ctr">
+                      <a:solidFill>
+                        <a:schemeClr val="tx1"/>
+                      </a:solidFill>
+                      <a:prstDash val="solid"/>
+                      <a:round/>
+                      <a:headEnd type="none" w="med" len="med"/>
+                      <a:tailEnd type="none" w="med" len="med"/>
+                    </a:lnR>
+                    <a:lnT w="12700" cap="flat" cmpd="sng" algn="ctr">
+                      <a:solidFill>
+                        <a:schemeClr val="tx1"/>
+                      </a:solidFill>
+                      <a:prstDash val="solid"/>
+                      <a:round/>
+                      <a:headEnd type="none" w="med" len="med"/>
+                      <a:tailEnd type="none" w="med" len="med"/>
+                    </a:lnT>
+                    <a:lnB w="12700" cap="flat" cmpd="sng" algn="ctr">
+                      <a:solidFill>
+                        <a:schemeClr val="tx1"/>
+                      </a:solidFill>
+                      <a:prstDash val="solid"/>
+                      <a:round/>
+                      <a:headEnd type="none" w="med" len="med"/>
+                      <a:tailEnd type="none" w="med" len="med"/>
+                    </a:lnB>
+                    <a:solidFill>
+                      <a:schemeClr val="tx2">
+                        <a:lumMod val="40000"/>
+                        <a:lumOff val="60000"/>
+                      </a:schemeClr>
+                    </a:solidFill>
+                  </a:tcPr>
+                </a:tc>
+              </a:tr>
+              <a:tr h="370840">
+                <a:tc>
+                  <a:txBody>
+                    <a:bodyPr/>
+                    <a:lstStyle/>
+                    <a:p>
+                      <a:r>
+                        <a:rPr lang="en-US" b="0" dirty="0" smtClean="0">
+                          <a:solidFill>
+                            <a:schemeClr val="bg1"/>
+                          </a:solidFill>
+                        </a:rPr>
+                        <a:t>RVM </a:t>
+                      </a:r>
+                      <a:r>
+                        <a:rPr lang="en-US" b="0" baseline="0" dirty="0" smtClean="0">
+                          <a:solidFill>
+                            <a:schemeClr val="bg1"/>
+                          </a:solidFill>
+                        </a:rPr>
+                        <a:t>Requirement Wording</a:t>
+                      </a:r>
+                      <a:endParaRPr lang="en-US" b="0" dirty="0">
+                        <a:solidFill>
+                          <a:schemeClr val="bg1"/>
+                        </a:solidFill>
+                      </a:endParaRPr>
+                    </a:p>
+                  </a:txBody>
+                  <a:tcPr anchor="ctr">
+                    <a:lnL w="12700" cap="flat" cmpd="sng" algn="ctr">
+                      <a:solidFill>
+                        <a:schemeClr val="tx1"/>
+                      </a:solidFill>
+                      <a:prstDash val="solid"/>
+                      <a:round/>
+                      <a:headEnd type="none" w="med" len="med"/>
+                      <a:tailEnd type="none" w="med" len="med"/>
+                    </a:lnL>
+                    <a:lnR w="12700" cap="flat" cmpd="sng" algn="ctr">
+                      <a:solidFill>
+                        <a:schemeClr val="tx1"/>
+                      </a:solidFill>
+                      <a:prstDash val="solid"/>
+                      <a:round/>
+                      <a:headEnd type="none" w="med" len="med"/>
+                      <a:tailEnd type="none" w="med" len="med"/>
+                    </a:lnR>
+                    <a:lnT w="12700" cap="flat" cmpd="sng" algn="ctr">
+                      <a:solidFill>
+                        <a:schemeClr val="tx1"/>
+                      </a:solidFill>
+                      <a:prstDash val="solid"/>
+                      <a:round/>
+                      <a:headEnd type="none" w="med" len="med"/>
+                      <a:tailEnd type="none" w="med" len="med"/>
+                    </a:lnT>
+                    <a:lnB w="12700" cap="flat" cmpd="sng" algn="ctr">
+                      <a:solidFill>
+                        <a:schemeClr val="tx1"/>
+                      </a:solidFill>
+                      <a:prstDash val="solid"/>
+                      <a:round/>
+                      <a:headEnd type="none" w="med" len="med"/>
+                      <a:tailEnd type="none" w="med" len="med"/>
+                    </a:lnB>
+                    <a:solidFill>
+                      <a:schemeClr val="tx2">
+                        <a:lumMod val="75000"/>
+                      </a:schemeClr>
+                    </a:solidFill>
+                  </a:tcPr>
+                </a:tc>
+                <a:tc>
+                  <a:txBody>
+                    <a:bodyPr/>
+                    <a:lstStyle/>
+                    <a:p>
+                      <a:r>
+                        <a:rPr lang="en-US" b="1" i="1" dirty="0" smtClean="0">
+                          <a:solidFill>
+                            <a:schemeClr val="tx1"/>
+                          </a:solidFill>
+                        </a:rPr>
+                        <a:t>“The</a:t>
+                      </a:r>
+                      <a:r>
+                        <a:rPr lang="en-US" b="1" i="1" baseline="0" dirty="0" smtClean="0">
+                          <a:solidFill>
+                            <a:schemeClr val="tx1"/>
+                          </a:solidFill>
+                        </a:rPr>
+                        <a:t> CubeSat System Shall Pass a Health Check Administered from the SSRL Ground Station</a:t>
+                      </a:r>
+                      <a:r>
+                        <a:rPr lang="en-US" b="1" i="1" dirty="0" smtClean="0">
+                          <a:solidFill>
+                            <a:schemeClr val="tx1"/>
+                          </a:solidFill>
+                        </a:rPr>
+                        <a:t>”</a:t>
+                      </a:r>
+                      <a:endParaRPr lang="en-US" b="1" i="1" dirty="0">
+                        <a:solidFill>
+                          <a:schemeClr val="tx1"/>
+                        </a:solidFill>
+                      </a:endParaRPr>
+                    </a:p>
+                  </a:txBody>
+                  <a:tcPr>
+                    <a:lnL w="12700" cap="flat" cmpd="sng" algn="ctr">
+                      <a:solidFill>
+                        <a:schemeClr val="tx1"/>
+                      </a:solidFill>
+                      <a:prstDash val="solid"/>
+                      <a:round/>
+                      <a:headEnd type="none" w="med" len="med"/>
+                      <a:tailEnd type="none" w="med" len="med"/>
+                    </a:lnL>
+                    <a:lnR w="12700" cap="flat" cmpd="sng" algn="ctr">
+                      <a:solidFill>
+                        <a:schemeClr val="tx1"/>
+                      </a:solidFill>
+                      <a:prstDash val="solid"/>
+                      <a:round/>
+                      <a:headEnd type="none" w="med" len="med"/>
+                      <a:tailEnd type="none" w="med" len="med"/>
+                    </a:lnR>
+                    <a:lnT w="12700" cap="flat" cmpd="sng" algn="ctr">
+                      <a:solidFill>
+                        <a:schemeClr val="tx1"/>
+                      </a:solidFill>
+                      <a:prstDash val="solid"/>
+                      <a:round/>
+                      <a:headEnd type="none" w="med" len="med"/>
+                      <a:tailEnd type="none" w="med" len="med"/>
+                    </a:lnT>
+                    <a:lnB w="12700" cap="flat" cmpd="sng" algn="ctr">
+                      <a:solidFill>
+                        <a:schemeClr val="tx1"/>
+                      </a:solidFill>
+                      <a:prstDash val="solid"/>
+                      <a:round/>
+                      <a:headEnd type="none" w="med" len="med"/>
+                      <a:tailEnd type="none" w="med" len="med"/>
+                    </a:lnB>
+                    <a:solidFill>
+                      <a:schemeClr val="tx2">
+                        <a:lumMod val="40000"/>
+                        <a:lumOff val="60000"/>
+                      </a:schemeClr>
+                    </a:solidFill>
+                  </a:tcPr>
+                </a:tc>
+              </a:tr>
+              <a:tr h="370840">
+                <a:tc>
+                  <a:txBody>
+                    <a:bodyPr/>
+                    <a:lstStyle/>
+                    <a:p>
+                      <a:r>
+                        <a:rPr lang="en-US" b="0" dirty="0" smtClean="0">
+                          <a:solidFill>
+                            <a:schemeClr val="bg1"/>
+                          </a:solidFill>
+                        </a:rPr>
+                        <a:t>Validation Method</a:t>
+                      </a:r>
+                      <a:endParaRPr lang="en-US" b="0" dirty="0">
+                        <a:solidFill>
+                          <a:schemeClr val="bg1"/>
+                        </a:solidFill>
+                      </a:endParaRPr>
+                    </a:p>
+                  </a:txBody>
+                  <a:tcPr anchor="ctr">
+                    <a:lnL w="12700" cap="flat" cmpd="sng" algn="ctr">
+                      <a:solidFill>
+                        <a:schemeClr val="tx1"/>
+                      </a:solidFill>
+                      <a:prstDash val="solid"/>
+                      <a:round/>
+                      <a:headEnd type="none" w="med" len="med"/>
+                      <a:tailEnd type="none" w="med" len="med"/>
+                    </a:lnL>
+                    <a:lnR w="12700" cap="flat" cmpd="sng" algn="ctr">
+                      <a:solidFill>
+                        <a:schemeClr val="tx1"/>
+                      </a:solidFill>
+                      <a:prstDash val="solid"/>
+                      <a:round/>
+                      <a:headEnd type="none" w="med" len="med"/>
+                      <a:tailEnd type="none" w="med" len="med"/>
+                    </a:lnR>
+                    <a:lnT w="12700" cap="flat" cmpd="sng" algn="ctr">
+                      <a:solidFill>
+                        <a:schemeClr val="tx1"/>
+                      </a:solidFill>
+                      <a:prstDash val="solid"/>
+                      <a:round/>
+                      <a:headEnd type="none" w="med" len="med"/>
+                      <a:tailEnd type="none" w="med" len="med"/>
+                    </a:lnT>
+                    <a:lnB w="12700" cap="flat" cmpd="sng" algn="ctr">
+                      <a:solidFill>
+                        <a:schemeClr val="tx1"/>
+                      </a:solidFill>
+                      <a:prstDash val="solid"/>
+                      <a:round/>
+                      <a:headEnd type="none" w="med" len="med"/>
+                      <a:tailEnd type="none" w="med" len="med"/>
+                    </a:lnB>
+                    <a:solidFill>
+                      <a:schemeClr val="tx2">
+                        <a:lumMod val="75000"/>
+                      </a:schemeClr>
+                    </a:solidFill>
+                  </a:tcPr>
+                </a:tc>
+                <a:tc>
+                  <a:txBody>
+                    <a:bodyPr/>
+                    <a:lstStyle/>
+                    <a:p>
+                      <a:r>
+                        <a:rPr lang="en-US" b="1" i="0" dirty="0" smtClean="0">
+                          <a:solidFill>
+                            <a:schemeClr val="tx1"/>
+                          </a:solidFill>
+                        </a:rPr>
+                        <a:t>Analyze</a:t>
+                      </a:r>
+                      <a:endParaRPr lang="en-US" b="1" i="0" dirty="0">
+                        <a:solidFill>
+                          <a:schemeClr val="tx1"/>
+                        </a:solidFill>
+                      </a:endParaRPr>
+                    </a:p>
+                  </a:txBody>
+                  <a:tcPr>
+                    <a:lnL w="12700" cap="flat" cmpd="sng" algn="ctr">
+                      <a:solidFill>
+                        <a:schemeClr val="tx1"/>
+                      </a:solidFill>
+                      <a:prstDash val="solid"/>
+                      <a:round/>
+                      <a:headEnd type="none" w="med" len="med"/>
+                      <a:tailEnd type="none" w="med" len="med"/>
+                    </a:lnL>
+                    <a:lnR w="12700" cap="flat" cmpd="sng" algn="ctr">
+                      <a:solidFill>
+                        <a:schemeClr val="tx1"/>
+                      </a:solidFill>
+                      <a:prstDash val="solid"/>
+                      <a:round/>
+                      <a:headEnd type="none" w="med" len="med"/>
+                      <a:tailEnd type="none" w="med" len="med"/>
+                    </a:lnR>
+                    <a:lnT w="12700" cap="flat" cmpd="sng" algn="ctr">
+                      <a:solidFill>
+                        <a:schemeClr val="tx1"/>
+                      </a:solidFill>
+                      <a:prstDash val="solid"/>
+                      <a:round/>
+                      <a:headEnd type="none" w="med" len="med"/>
+                      <a:tailEnd type="none" w="med" len="med"/>
+                    </a:lnT>
+                    <a:lnB w="12700" cap="flat" cmpd="sng" algn="ctr">
+                      <a:solidFill>
+                        <a:schemeClr val="tx1"/>
+                      </a:solidFill>
+                      <a:prstDash val="solid"/>
+                      <a:round/>
+                      <a:headEnd type="none" w="med" len="med"/>
+                      <a:tailEnd type="none" w="med" len="med"/>
+                    </a:lnB>
+                    <a:solidFill>
+                      <a:schemeClr val="tx2">
+                        <a:lumMod val="40000"/>
+                        <a:lumOff val="60000"/>
+                      </a:schemeClr>
+                    </a:solidFill>
+                  </a:tcPr>
+                </a:tc>
+              </a:tr>
+            </a:tbl>
+          </a:graphicData>
+        </a:graphic>
+      </p:graphicFrame>
+      <p:sp>
+        <p:nvSpPr>
+          <p:cNvPr id="5" name="TextBox 4"/>
+          <p:cNvSpPr txBox="1"/>
+          <p:nvPr/>
+        </p:nvSpPr>
+        <p:spPr>
+          <a:xfrm>
+            <a:off x="457200" y="2971800"/>
+            <a:ext cx="8305800" cy="1569660"/>
+          </a:xfrm>
+          <a:prstGeom prst="rect">
+            <a:avLst/>
+          </a:prstGeom>
+          <a:noFill/>
+        </p:spPr>
+        <p:txBody>
+          <a:bodyPr wrap="square" rtlCol="0">
+            <a:spAutoFit/>
+          </a:bodyPr>
+          <a:lstStyle/>
+          <a:p>
+            <a:pPr algn="just"/>
+            <a:r>
+              <a:rPr lang="en-US" sz="2400" b="1" dirty="0" smtClean="0"/>
+              <a:t>A health check consists of verifying that each subsystem of Jade or Turquoise has successfully survived delivery, integration, transportation, and launch before leading in to their actual missions.  </a:t>
+            </a:r>
+            <a:endParaRPr lang="en-US" sz="2400" b="1" dirty="0" smtClean="0"/>
+          </a:p>
+        </p:txBody>
+      </p:sp>
+    </p:spTree>
+    <p:extLst>
+      <p:ext uri="{BB962C8B-B14F-4D97-AF65-F5344CB8AC3E}">
+        <p14:creationId xmlns:p14="http://schemas.microsoft.com/office/powerpoint/2010/main" xmlns="" val="2711901525"/>
+      </p:ext>
+    </p:extLst>
+  </p:cSld>
+  <p:clrMapOvr>
+    <a:masterClrMapping/>
+  </p:clrMapOvr>
+</p:sld>
+</file>
+
 <file path=ppt/theme/theme1.xml><?xml version="1.0" encoding="utf-8"?>
 <a:theme xmlns:a="http://schemas.openxmlformats.org/drawingml/2006/main" name="Office Theme">
   <a:themeElements>

--- a/CMQA/Presentations/Tom Slides/Tom Slides.pptx
+++ b/CMQA/Presentations/Tom Slides/Tom Slides.pptx
@@ -7,6 +7,8 @@
   <p:sldIdLst>
     <p:sldId id="257" r:id="rId2"/>
     <p:sldId id="258" r:id="rId3"/>
+    <p:sldId id="259" r:id="rId4"/>
+    <p:sldId id="260" r:id="rId5"/>
   </p:sldIdLst>
   <p:sldSz cx="9144000" cy="6858000" type="screen4x3"/>
   <p:notesSz cx="6858000" cy="9144000"/>
@@ -3364,7 +3366,23 @@
                             <a:schemeClr val="tx1"/>
                           </a:solidFill>
                         </a:rPr>
-                        <a:t>“The CubeSat System Shall Establish Communication between Itself and the SSRL Ground Station”</a:t>
+                        <a:t>“</a:t>
+                      </a:r>
+                      <a:r>
+                        <a:rPr lang="en-US" b="1" i="1" dirty="0" smtClean="0">
+                          <a:solidFill>
+                            <a:schemeClr val="tx1"/>
+                          </a:solidFill>
+                        </a:rPr>
+                        <a:t>The CubeSat System Shall Establish Communication between Itself and the SSRL Ground Station</a:t>
+                      </a:r>
+                      <a:r>
+                        <a:rPr lang="en-US" b="1" dirty="0" smtClean="0">
+                          <a:solidFill>
+                            <a:schemeClr val="tx1"/>
+                          </a:solidFill>
+                        </a:rPr>
+                        <a:t>”</a:t>
                       </a:r>
                       <a:endParaRPr lang="en-US" b="1" dirty="0">
                         <a:solidFill>
@@ -3603,6 +3621,13 @@
   <p:clrMapOvr>
     <a:masterClrMapping/>
   </p:clrMapOvr>
+  <p:timing>
+    <p:tnLst>
+      <p:par>
+        <p:cTn id="1" dur="indefinite" restart="never" nodeType="tmRoot"/>
+      </p:par>
+    </p:tnLst>
+  </p:timing>
 </p:sld>
 </file>
 
@@ -4114,6 +4139,1278 @@
   <p:clrMapOvr>
     <a:masterClrMapping/>
   </p:clrMapOvr>
+  <p:timing>
+    <p:tnLst>
+      <p:par>
+        <p:cTn id="1" dur="indefinite" restart="never" nodeType="tmRoot"/>
+      </p:par>
+    </p:tnLst>
+  </p:timing>
+</p:sld>
+</file>
+
+<file path=ppt/slides/slide3.xml><?xml version="1.0" encoding="utf-8"?>
+<p:sld xmlns:a="http://schemas.openxmlformats.org/drawingml/2006/main" xmlns:r="http://schemas.openxmlformats.org/officeDocument/2006/relationships" xmlns:p="http://schemas.openxmlformats.org/presentationml/2006/main">
+  <p:cSld>
+    <p:spTree>
+      <p:nvGrpSpPr>
+        <p:cNvPr id="1" name=""/>
+        <p:cNvGrpSpPr/>
+        <p:nvPr/>
+      </p:nvGrpSpPr>
+      <p:grpSpPr>
+        <a:xfrm>
+          <a:off x="0" y="0"/>
+          <a:ext cx="0" cy="0"/>
+          <a:chOff x="0" y="0"/>
+          <a:chExt cx="0" cy="0"/>
+        </a:xfrm>
+      </p:grpSpPr>
+      <p:graphicFrame>
+        <p:nvGraphicFramePr>
+          <p:cNvPr id="4" name="Content Placeholder 3"/>
+          <p:cNvGraphicFramePr>
+            <a:graphicFrameLocks noGrp="1"/>
+          </p:cNvGraphicFramePr>
+          <p:nvPr>
+            <p:ph idx="1"/>
+            <p:extLst>
+              <p:ext uri="{D42A27DB-BD31-4B8C-83A1-F6EECF244321}">
+                <p14:modId xmlns:p14="http://schemas.microsoft.com/office/powerpoint/2010/main" xmlns="" val="1483644448"/>
+              </p:ext>
+            </p:extLst>
+          </p:nvPr>
+        </p:nvGraphicFramePr>
+        <p:xfrm>
+          <a:off x="533400" y="1143000"/>
+          <a:ext cx="8229600" cy="1656080"/>
+        </p:xfrm>
+        <a:graphic>
+          <a:graphicData uri="http://schemas.openxmlformats.org/drawingml/2006/table">
+            <a:tbl>
+              <a:tblPr firstRow="1" bandRow="1">
+                <a:tableStyleId>{5C22544A-7EE6-4342-B048-85BDC9FD1C3A}</a:tableStyleId>
+              </a:tblPr>
+              <a:tblGrid>
+                <a:gridCol w="3200400"/>
+                <a:gridCol w="5029200"/>
+              </a:tblGrid>
+              <a:tr h="370840">
+                <a:tc>
+                  <a:txBody>
+                    <a:bodyPr/>
+                    <a:lstStyle/>
+                    <a:p>
+                      <a:r>
+                        <a:rPr lang="en-US" b="0" dirty="0" smtClean="0">
+                          <a:solidFill>
+                            <a:schemeClr val="bg1"/>
+                          </a:solidFill>
+                        </a:rPr>
+                        <a:t> RVM Requirement Number</a:t>
+                      </a:r>
+                      <a:endParaRPr lang="en-US" b="0" dirty="0">
+                        <a:solidFill>
+                          <a:schemeClr val="bg1"/>
+                        </a:solidFill>
+                      </a:endParaRPr>
+                    </a:p>
+                  </a:txBody>
+                  <a:tcPr anchor="ctr">
+                    <a:lnL w="12700" cap="flat" cmpd="sng" algn="ctr">
+                      <a:solidFill>
+                        <a:schemeClr val="tx1"/>
+                      </a:solidFill>
+                      <a:prstDash val="solid"/>
+                      <a:round/>
+                      <a:headEnd type="none" w="med" len="med"/>
+                      <a:tailEnd type="none" w="med" len="med"/>
+                    </a:lnL>
+                    <a:lnR w="12700" cap="flat" cmpd="sng" algn="ctr">
+                      <a:solidFill>
+                        <a:schemeClr val="tx1"/>
+                      </a:solidFill>
+                      <a:prstDash val="solid"/>
+                      <a:round/>
+                      <a:headEnd type="none" w="med" len="med"/>
+                      <a:tailEnd type="none" w="med" len="med"/>
+                    </a:lnR>
+                    <a:lnT w="12700" cap="flat" cmpd="sng" algn="ctr">
+                      <a:solidFill>
+                        <a:schemeClr val="tx1"/>
+                      </a:solidFill>
+                      <a:prstDash val="solid"/>
+                      <a:round/>
+                      <a:headEnd type="none" w="med" len="med"/>
+                      <a:tailEnd type="none" w="med" len="med"/>
+                    </a:lnT>
+                    <a:lnB w="12700" cap="flat" cmpd="sng" algn="ctr">
+                      <a:solidFill>
+                        <a:schemeClr val="tx1"/>
+                      </a:solidFill>
+                      <a:prstDash val="solid"/>
+                      <a:round/>
+                      <a:headEnd type="none" w="med" len="med"/>
+                      <a:tailEnd type="none" w="med" len="med"/>
+                    </a:lnB>
+                    <a:solidFill>
+                      <a:schemeClr val="tx2">
+                        <a:lumMod val="75000"/>
+                      </a:schemeClr>
+                    </a:solidFill>
+                  </a:tcPr>
+                </a:tc>
+                <a:tc>
+                  <a:txBody>
+                    <a:bodyPr/>
+                    <a:lstStyle/>
+                    <a:p>
+                      <a:r>
+                        <a:rPr lang="en-US" b="1" dirty="0" smtClean="0">
+                          <a:solidFill>
+                            <a:schemeClr val="tx1"/>
+                          </a:solidFill>
+                        </a:rPr>
+                        <a:t>RCL.SS.MOP1</a:t>
+                      </a:r>
+                      <a:endParaRPr lang="en-US" b="1" dirty="0">
+                        <a:solidFill>
+                          <a:schemeClr val="tx1"/>
+                        </a:solidFill>
+                      </a:endParaRPr>
+                    </a:p>
+                  </a:txBody>
+                  <a:tcPr>
+                    <a:lnL w="12700" cap="flat" cmpd="sng" algn="ctr">
+                      <a:solidFill>
+                        <a:schemeClr val="tx1"/>
+                      </a:solidFill>
+                      <a:prstDash val="solid"/>
+                      <a:round/>
+                      <a:headEnd type="none" w="med" len="med"/>
+                      <a:tailEnd type="none" w="med" len="med"/>
+                    </a:lnL>
+                    <a:lnR w="12700" cap="flat" cmpd="sng" algn="ctr">
+                      <a:solidFill>
+                        <a:schemeClr val="tx1"/>
+                      </a:solidFill>
+                      <a:prstDash val="solid"/>
+                      <a:round/>
+                      <a:headEnd type="none" w="med" len="med"/>
+                      <a:tailEnd type="none" w="med" len="med"/>
+                    </a:lnR>
+                    <a:lnT w="12700" cap="flat" cmpd="sng" algn="ctr">
+                      <a:solidFill>
+                        <a:schemeClr val="tx1"/>
+                      </a:solidFill>
+                      <a:prstDash val="solid"/>
+                      <a:round/>
+                      <a:headEnd type="none" w="med" len="med"/>
+                      <a:tailEnd type="none" w="med" len="med"/>
+                    </a:lnT>
+                    <a:lnB w="12700" cap="flat" cmpd="sng" algn="ctr">
+                      <a:solidFill>
+                        <a:schemeClr val="tx1"/>
+                      </a:solidFill>
+                      <a:prstDash val="solid"/>
+                      <a:round/>
+                      <a:headEnd type="none" w="med" len="med"/>
+                      <a:tailEnd type="none" w="med" len="med"/>
+                    </a:lnB>
+                    <a:solidFill>
+                      <a:schemeClr val="tx2">
+                        <a:lumMod val="40000"/>
+                        <a:lumOff val="60000"/>
+                      </a:schemeClr>
+                    </a:solidFill>
+                  </a:tcPr>
+                </a:tc>
+              </a:tr>
+              <a:tr h="370840">
+                <a:tc>
+                  <a:txBody>
+                    <a:bodyPr/>
+                    <a:lstStyle/>
+                    <a:p>
+                      <a:r>
+                        <a:rPr lang="en-US" b="0" dirty="0" smtClean="0">
+                          <a:solidFill>
+                            <a:schemeClr val="bg1"/>
+                          </a:solidFill>
+                        </a:rPr>
+                        <a:t>RVM </a:t>
+                      </a:r>
+                      <a:r>
+                        <a:rPr lang="en-US" b="0" baseline="0" dirty="0" smtClean="0">
+                          <a:solidFill>
+                            <a:schemeClr val="bg1"/>
+                          </a:solidFill>
+                        </a:rPr>
+                        <a:t>Requirement Wording</a:t>
+                      </a:r>
+                      <a:endParaRPr lang="en-US" b="0" dirty="0">
+                        <a:solidFill>
+                          <a:schemeClr val="bg1"/>
+                        </a:solidFill>
+                      </a:endParaRPr>
+                    </a:p>
+                  </a:txBody>
+                  <a:tcPr anchor="ctr">
+                    <a:lnL w="12700" cap="flat" cmpd="sng" algn="ctr">
+                      <a:solidFill>
+                        <a:schemeClr val="tx1"/>
+                      </a:solidFill>
+                      <a:prstDash val="solid"/>
+                      <a:round/>
+                      <a:headEnd type="none" w="med" len="med"/>
+                      <a:tailEnd type="none" w="med" len="med"/>
+                    </a:lnL>
+                    <a:lnR w="12700" cap="flat" cmpd="sng" algn="ctr">
+                      <a:solidFill>
+                        <a:schemeClr val="tx1"/>
+                      </a:solidFill>
+                      <a:prstDash val="solid"/>
+                      <a:round/>
+                      <a:headEnd type="none" w="med" len="med"/>
+                      <a:tailEnd type="none" w="med" len="med"/>
+                    </a:lnR>
+                    <a:lnT w="12700" cap="flat" cmpd="sng" algn="ctr">
+                      <a:solidFill>
+                        <a:schemeClr val="tx1"/>
+                      </a:solidFill>
+                      <a:prstDash val="solid"/>
+                      <a:round/>
+                      <a:headEnd type="none" w="med" len="med"/>
+                      <a:tailEnd type="none" w="med" len="med"/>
+                    </a:lnT>
+                    <a:lnB w="12700" cap="flat" cmpd="sng" algn="ctr">
+                      <a:solidFill>
+                        <a:schemeClr val="tx1"/>
+                      </a:solidFill>
+                      <a:prstDash val="solid"/>
+                      <a:round/>
+                      <a:headEnd type="none" w="med" len="med"/>
+                      <a:tailEnd type="none" w="med" len="med"/>
+                    </a:lnB>
+                    <a:solidFill>
+                      <a:schemeClr val="tx2">
+                        <a:lumMod val="75000"/>
+                      </a:schemeClr>
+                    </a:solidFill>
+                  </a:tcPr>
+                </a:tc>
+                <a:tc>
+                  <a:txBody>
+                    <a:bodyPr/>
+                    <a:lstStyle/>
+                    <a:p>
+                      <a:r>
+                        <a:rPr lang="en-US" b="1" i="1" dirty="0" smtClean="0">
+                          <a:solidFill>
+                            <a:schemeClr val="tx1"/>
+                          </a:solidFill>
+                        </a:rPr>
+                        <a:t>“Jade</a:t>
+                      </a:r>
+                      <a:r>
+                        <a:rPr lang="en-US" b="1" i="1" baseline="0" dirty="0" smtClean="0">
+                          <a:solidFill>
+                            <a:schemeClr val="tx1"/>
+                          </a:solidFill>
+                        </a:rPr>
+                        <a:t> and Turquoise Shall be Capable of Separating from One Another with a  Relative Velocity no Greater than 5 cm/s</a:t>
+                      </a:r>
+                      <a:r>
+                        <a:rPr lang="en-US" b="1" i="1" dirty="0" smtClean="0">
+                          <a:solidFill>
+                            <a:schemeClr val="tx1"/>
+                          </a:solidFill>
+                        </a:rPr>
+                        <a:t>”</a:t>
+                      </a:r>
+                      <a:endParaRPr lang="en-US" b="1" i="1" dirty="0">
+                        <a:solidFill>
+                          <a:schemeClr val="tx1"/>
+                        </a:solidFill>
+                      </a:endParaRPr>
+                    </a:p>
+                  </a:txBody>
+                  <a:tcPr>
+                    <a:lnL w="12700" cap="flat" cmpd="sng" algn="ctr">
+                      <a:solidFill>
+                        <a:schemeClr val="tx1"/>
+                      </a:solidFill>
+                      <a:prstDash val="solid"/>
+                      <a:round/>
+                      <a:headEnd type="none" w="med" len="med"/>
+                      <a:tailEnd type="none" w="med" len="med"/>
+                    </a:lnL>
+                    <a:lnR w="12700" cap="flat" cmpd="sng" algn="ctr">
+                      <a:solidFill>
+                        <a:schemeClr val="tx1"/>
+                      </a:solidFill>
+                      <a:prstDash val="solid"/>
+                      <a:round/>
+                      <a:headEnd type="none" w="med" len="med"/>
+                      <a:tailEnd type="none" w="med" len="med"/>
+                    </a:lnR>
+                    <a:lnT w="12700" cap="flat" cmpd="sng" algn="ctr">
+                      <a:solidFill>
+                        <a:schemeClr val="tx1"/>
+                      </a:solidFill>
+                      <a:prstDash val="solid"/>
+                      <a:round/>
+                      <a:headEnd type="none" w="med" len="med"/>
+                      <a:tailEnd type="none" w="med" len="med"/>
+                    </a:lnT>
+                    <a:lnB w="12700" cap="flat" cmpd="sng" algn="ctr">
+                      <a:solidFill>
+                        <a:schemeClr val="tx1"/>
+                      </a:solidFill>
+                      <a:prstDash val="solid"/>
+                      <a:round/>
+                      <a:headEnd type="none" w="med" len="med"/>
+                      <a:tailEnd type="none" w="med" len="med"/>
+                    </a:lnB>
+                    <a:solidFill>
+                      <a:schemeClr val="tx2">
+                        <a:lumMod val="40000"/>
+                        <a:lumOff val="60000"/>
+                      </a:schemeClr>
+                    </a:solidFill>
+                  </a:tcPr>
+                </a:tc>
+              </a:tr>
+              <a:tr h="370840">
+                <a:tc>
+                  <a:txBody>
+                    <a:bodyPr/>
+                    <a:lstStyle/>
+                    <a:p>
+                      <a:r>
+                        <a:rPr lang="en-US" b="0" dirty="0" smtClean="0">
+                          <a:solidFill>
+                            <a:schemeClr val="bg1"/>
+                          </a:solidFill>
+                        </a:rPr>
+                        <a:t>Validation Method</a:t>
+                      </a:r>
+                      <a:endParaRPr lang="en-US" b="0" dirty="0">
+                        <a:solidFill>
+                          <a:schemeClr val="bg1"/>
+                        </a:solidFill>
+                      </a:endParaRPr>
+                    </a:p>
+                  </a:txBody>
+                  <a:tcPr anchor="ctr">
+                    <a:lnL w="12700" cap="flat" cmpd="sng" algn="ctr">
+                      <a:solidFill>
+                        <a:schemeClr val="tx1"/>
+                      </a:solidFill>
+                      <a:prstDash val="solid"/>
+                      <a:round/>
+                      <a:headEnd type="none" w="med" len="med"/>
+                      <a:tailEnd type="none" w="med" len="med"/>
+                    </a:lnL>
+                    <a:lnR w="12700" cap="flat" cmpd="sng" algn="ctr">
+                      <a:solidFill>
+                        <a:schemeClr val="tx1"/>
+                      </a:solidFill>
+                      <a:prstDash val="solid"/>
+                      <a:round/>
+                      <a:headEnd type="none" w="med" len="med"/>
+                      <a:tailEnd type="none" w="med" len="med"/>
+                    </a:lnR>
+                    <a:lnT w="12700" cap="flat" cmpd="sng" algn="ctr">
+                      <a:solidFill>
+                        <a:schemeClr val="tx1"/>
+                      </a:solidFill>
+                      <a:prstDash val="solid"/>
+                      <a:round/>
+                      <a:headEnd type="none" w="med" len="med"/>
+                      <a:tailEnd type="none" w="med" len="med"/>
+                    </a:lnT>
+                    <a:lnB w="12700" cap="flat" cmpd="sng" algn="ctr">
+                      <a:solidFill>
+                        <a:schemeClr val="tx1"/>
+                      </a:solidFill>
+                      <a:prstDash val="solid"/>
+                      <a:round/>
+                      <a:headEnd type="none" w="med" len="med"/>
+                      <a:tailEnd type="none" w="med" len="med"/>
+                    </a:lnB>
+                    <a:solidFill>
+                      <a:schemeClr val="tx2">
+                        <a:lumMod val="75000"/>
+                      </a:schemeClr>
+                    </a:solidFill>
+                  </a:tcPr>
+                </a:tc>
+                <a:tc>
+                  <a:txBody>
+                    <a:bodyPr/>
+                    <a:lstStyle/>
+                    <a:p>
+                      <a:r>
+                        <a:rPr lang="en-US" b="1" i="0" dirty="0" smtClean="0">
+                          <a:solidFill>
+                            <a:schemeClr val="tx1"/>
+                          </a:solidFill>
+                        </a:rPr>
+                        <a:t>Analyze</a:t>
+                      </a:r>
+                      <a:endParaRPr lang="en-US" b="1" i="0" dirty="0">
+                        <a:solidFill>
+                          <a:schemeClr val="tx1"/>
+                        </a:solidFill>
+                      </a:endParaRPr>
+                    </a:p>
+                  </a:txBody>
+                  <a:tcPr>
+                    <a:lnL w="12700" cap="flat" cmpd="sng" algn="ctr">
+                      <a:solidFill>
+                        <a:schemeClr val="tx1"/>
+                      </a:solidFill>
+                      <a:prstDash val="solid"/>
+                      <a:round/>
+                      <a:headEnd type="none" w="med" len="med"/>
+                      <a:tailEnd type="none" w="med" len="med"/>
+                    </a:lnL>
+                    <a:lnR w="12700" cap="flat" cmpd="sng" algn="ctr">
+                      <a:solidFill>
+                        <a:schemeClr val="tx1"/>
+                      </a:solidFill>
+                      <a:prstDash val="solid"/>
+                      <a:round/>
+                      <a:headEnd type="none" w="med" len="med"/>
+                      <a:tailEnd type="none" w="med" len="med"/>
+                    </a:lnR>
+                    <a:lnT w="12700" cap="flat" cmpd="sng" algn="ctr">
+                      <a:solidFill>
+                        <a:schemeClr val="tx1"/>
+                      </a:solidFill>
+                      <a:prstDash val="solid"/>
+                      <a:round/>
+                      <a:headEnd type="none" w="med" len="med"/>
+                      <a:tailEnd type="none" w="med" len="med"/>
+                    </a:lnT>
+                    <a:lnB w="12700" cap="flat" cmpd="sng" algn="ctr">
+                      <a:solidFill>
+                        <a:schemeClr val="tx1"/>
+                      </a:solidFill>
+                      <a:prstDash val="solid"/>
+                      <a:round/>
+                      <a:headEnd type="none" w="med" len="med"/>
+                      <a:tailEnd type="none" w="med" len="med"/>
+                    </a:lnB>
+                    <a:solidFill>
+                      <a:schemeClr val="tx2">
+                        <a:lumMod val="40000"/>
+                        <a:lumOff val="60000"/>
+                      </a:schemeClr>
+                    </a:solidFill>
+                  </a:tcPr>
+                </a:tc>
+              </a:tr>
+            </a:tbl>
+          </a:graphicData>
+        </a:graphic>
+      </p:graphicFrame>
+      <p:sp>
+        <p:nvSpPr>
+          <p:cNvPr id="5" name="TextBox 4"/>
+          <p:cNvSpPr txBox="1"/>
+          <p:nvPr/>
+        </p:nvSpPr>
+        <p:spPr>
+          <a:xfrm>
+            <a:off x="457200" y="2971800"/>
+            <a:ext cx="8305800" cy="3662541"/>
+          </a:xfrm>
+          <a:prstGeom prst="rect">
+            <a:avLst/>
+          </a:prstGeom>
+          <a:noFill/>
+        </p:spPr>
+        <p:txBody>
+          <a:bodyPr wrap="square" rtlCol="0">
+            <a:spAutoFit/>
+          </a:bodyPr>
+          <a:lstStyle/>
+          <a:p>
+            <a:pPr algn="just"/>
+            <a:r>
+              <a:rPr lang="en-US" sz="2400" b="1" dirty="0" smtClean="0"/>
+              <a:t>One of the major failure points of previous Proximity Operations missions has been the problem of initial conditions.</a:t>
+            </a:r>
+          </a:p>
+          <a:p>
+            <a:pPr lvl="1" algn="just">
+              <a:buFont typeface="Wingdings" pitchFamily="2" charset="2"/>
+              <a:buChar char="§"/>
+            </a:pPr>
+            <a:r>
+              <a:rPr lang="en-US" sz="2000" b="1" dirty="0" smtClean="0"/>
+              <a:t>If the initial relative velocity between Jade and Turquoise is too large, extremely large relative displacements can develop between each of them.</a:t>
+            </a:r>
+          </a:p>
+          <a:p>
+            <a:pPr lvl="1" algn="just">
+              <a:buFont typeface="Wingdings" pitchFamily="2" charset="2"/>
+              <a:buChar char="§"/>
+            </a:pPr>
+            <a:r>
+              <a:rPr lang="en-US" sz="2000" b="1" dirty="0" smtClean="0"/>
+              <a:t>This problem can be alleviated by reducing this initial relative velocity value such that the maximum displacement between Jade and Turquoise never goes above 100 meters.</a:t>
+            </a:r>
+          </a:p>
+          <a:p>
+            <a:pPr lvl="1" algn="just">
+              <a:buFont typeface="Wingdings" pitchFamily="2" charset="2"/>
+              <a:buChar char="§"/>
+            </a:pPr>
+            <a:r>
+              <a:rPr lang="en-US" sz="2000" b="1" dirty="0" smtClean="0"/>
+              <a:t>5 cm/s was selected based on relative orbital analyses </a:t>
+            </a:r>
+            <a:r>
+              <a:rPr lang="en-US" sz="2000" b="1" dirty="0" smtClean="0"/>
+              <a:t>made in </a:t>
+            </a:r>
+            <a:r>
+              <a:rPr lang="en-US" sz="2000" b="1" dirty="0" err="1" smtClean="0"/>
+              <a:t>MatLab</a:t>
+            </a:r>
+            <a:r>
+              <a:rPr lang="en-US" sz="2000" b="1" dirty="0" smtClean="0"/>
+              <a:t> for various initial relative velocities</a:t>
+            </a:r>
+            <a:endParaRPr lang="en-US" sz="2000" b="1" dirty="0" smtClean="0"/>
+          </a:p>
+          <a:p>
+            <a:pPr algn="just"/>
+            <a:endParaRPr lang="en-US" sz="2400" b="1" dirty="0" smtClean="0"/>
+          </a:p>
+        </p:txBody>
+      </p:sp>
+    </p:spTree>
+    <p:extLst>
+      <p:ext uri="{BB962C8B-B14F-4D97-AF65-F5344CB8AC3E}">
+        <p14:creationId xmlns:p14="http://schemas.microsoft.com/office/powerpoint/2010/main" xmlns="" val="2711901525"/>
+      </p:ext>
+    </p:extLst>
+  </p:cSld>
+  <p:clrMapOvr>
+    <a:masterClrMapping/>
+  </p:clrMapOvr>
+  <p:timing>
+    <p:tnLst>
+      <p:par>
+        <p:cTn id="1" dur="indefinite" restart="never" nodeType="tmRoot"/>
+      </p:par>
+    </p:tnLst>
+  </p:timing>
+</p:sld>
+</file>
+
+<file path=ppt/slides/slide4.xml><?xml version="1.0" encoding="utf-8"?>
+<p:sld xmlns:a="http://schemas.openxmlformats.org/drawingml/2006/main" xmlns:r="http://schemas.openxmlformats.org/officeDocument/2006/relationships" xmlns:p="http://schemas.openxmlformats.org/presentationml/2006/main">
+  <p:cSld>
+    <p:spTree>
+      <p:nvGrpSpPr>
+        <p:cNvPr id="1" name=""/>
+        <p:cNvGrpSpPr/>
+        <p:nvPr/>
+      </p:nvGrpSpPr>
+      <p:grpSpPr>
+        <a:xfrm>
+          <a:off x="0" y="0"/>
+          <a:ext cx="0" cy="0"/>
+          <a:chOff x="0" y="0"/>
+          <a:chExt cx="0" cy="0"/>
+        </a:xfrm>
+      </p:grpSpPr>
+      <p:graphicFrame>
+        <p:nvGraphicFramePr>
+          <p:cNvPr id="4" name="Content Placeholder 3"/>
+          <p:cNvGraphicFramePr>
+            <a:graphicFrameLocks noGrp="1"/>
+          </p:cNvGraphicFramePr>
+          <p:nvPr>
+            <p:ph idx="1"/>
+            <p:extLst>
+              <p:ext uri="{D42A27DB-BD31-4B8C-83A1-F6EECF244321}">
+                <p14:modId xmlns:p14="http://schemas.microsoft.com/office/powerpoint/2010/main" xmlns="" val="1483644448"/>
+              </p:ext>
+            </p:extLst>
+          </p:nvPr>
+        </p:nvGraphicFramePr>
+        <p:xfrm>
+          <a:off x="533400" y="1143000"/>
+          <a:ext cx="8229600" cy="1656080"/>
+        </p:xfrm>
+        <a:graphic>
+          <a:graphicData uri="http://schemas.openxmlformats.org/drawingml/2006/table">
+            <a:tbl>
+              <a:tblPr firstRow="1" bandRow="1">
+                <a:tableStyleId>{5C22544A-7EE6-4342-B048-85BDC9FD1C3A}</a:tableStyleId>
+              </a:tblPr>
+              <a:tblGrid>
+                <a:gridCol w="3200400"/>
+                <a:gridCol w="5029200"/>
+              </a:tblGrid>
+              <a:tr h="370840">
+                <a:tc>
+                  <a:txBody>
+                    <a:bodyPr/>
+                    <a:lstStyle/>
+                    <a:p>
+                      <a:r>
+                        <a:rPr lang="en-US" b="0" dirty="0" smtClean="0">
+                          <a:solidFill>
+                            <a:schemeClr val="bg1"/>
+                          </a:solidFill>
+                        </a:rPr>
+                        <a:t> RVM Requirement Number</a:t>
+                      </a:r>
+                      <a:endParaRPr lang="en-US" b="0" dirty="0">
+                        <a:solidFill>
+                          <a:schemeClr val="bg1"/>
+                        </a:solidFill>
+                      </a:endParaRPr>
+                    </a:p>
+                  </a:txBody>
+                  <a:tcPr anchor="ctr">
+                    <a:lnL w="12700" cap="flat" cmpd="sng" algn="ctr">
+                      <a:solidFill>
+                        <a:schemeClr val="tx1"/>
+                      </a:solidFill>
+                      <a:prstDash val="solid"/>
+                      <a:round/>
+                      <a:headEnd type="none" w="med" len="med"/>
+                      <a:tailEnd type="none" w="med" len="med"/>
+                    </a:lnL>
+                    <a:lnR w="12700" cap="flat" cmpd="sng" algn="ctr">
+                      <a:solidFill>
+                        <a:schemeClr val="tx1"/>
+                      </a:solidFill>
+                      <a:prstDash val="solid"/>
+                      <a:round/>
+                      <a:headEnd type="none" w="med" len="med"/>
+                      <a:tailEnd type="none" w="med" len="med"/>
+                    </a:lnR>
+                    <a:lnT w="12700" cap="flat" cmpd="sng" algn="ctr">
+                      <a:solidFill>
+                        <a:schemeClr val="tx1"/>
+                      </a:solidFill>
+                      <a:prstDash val="solid"/>
+                      <a:round/>
+                      <a:headEnd type="none" w="med" len="med"/>
+                      <a:tailEnd type="none" w="med" len="med"/>
+                    </a:lnT>
+                    <a:lnB w="12700" cap="flat" cmpd="sng" algn="ctr">
+                      <a:solidFill>
+                        <a:schemeClr val="tx1"/>
+                      </a:solidFill>
+                      <a:prstDash val="solid"/>
+                      <a:round/>
+                      <a:headEnd type="none" w="med" len="med"/>
+                      <a:tailEnd type="none" w="med" len="med"/>
+                    </a:lnB>
+                    <a:solidFill>
+                      <a:schemeClr val="tx2">
+                        <a:lumMod val="75000"/>
+                      </a:schemeClr>
+                    </a:solidFill>
+                  </a:tcPr>
+                </a:tc>
+                <a:tc>
+                  <a:txBody>
+                    <a:bodyPr/>
+                    <a:lstStyle/>
+                    <a:p>
+                      <a:r>
+                        <a:rPr lang="en-US" b="1" dirty="0" smtClean="0">
+                          <a:solidFill>
+                            <a:schemeClr val="tx1"/>
+                          </a:solidFill>
+                        </a:rPr>
+                        <a:t>RCL.SS.MOP1 (Continued)</a:t>
+                      </a:r>
+                      <a:endParaRPr lang="en-US" b="1" dirty="0">
+                        <a:solidFill>
+                          <a:schemeClr val="tx1"/>
+                        </a:solidFill>
+                      </a:endParaRPr>
+                    </a:p>
+                  </a:txBody>
+                  <a:tcPr>
+                    <a:lnL w="12700" cap="flat" cmpd="sng" algn="ctr">
+                      <a:solidFill>
+                        <a:schemeClr val="tx1"/>
+                      </a:solidFill>
+                      <a:prstDash val="solid"/>
+                      <a:round/>
+                      <a:headEnd type="none" w="med" len="med"/>
+                      <a:tailEnd type="none" w="med" len="med"/>
+                    </a:lnL>
+                    <a:lnR w="12700" cap="flat" cmpd="sng" algn="ctr">
+                      <a:solidFill>
+                        <a:schemeClr val="tx1"/>
+                      </a:solidFill>
+                      <a:prstDash val="solid"/>
+                      <a:round/>
+                      <a:headEnd type="none" w="med" len="med"/>
+                      <a:tailEnd type="none" w="med" len="med"/>
+                    </a:lnR>
+                    <a:lnT w="12700" cap="flat" cmpd="sng" algn="ctr">
+                      <a:solidFill>
+                        <a:schemeClr val="tx1"/>
+                      </a:solidFill>
+                      <a:prstDash val="solid"/>
+                      <a:round/>
+                      <a:headEnd type="none" w="med" len="med"/>
+                      <a:tailEnd type="none" w="med" len="med"/>
+                    </a:lnT>
+                    <a:lnB w="12700" cap="flat" cmpd="sng" algn="ctr">
+                      <a:solidFill>
+                        <a:schemeClr val="tx1"/>
+                      </a:solidFill>
+                      <a:prstDash val="solid"/>
+                      <a:round/>
+                      <a:headEnd type="none" w="med" len="med"/>
+                      <a:tailEnd type="none" w="med" len="med"/>
+                    </a:lnB>
+                    <a:solidFill>
+                      <a:schemeClr val="tx2">
+                        <a:lumMod val="40000"/>
+                        <a:lumOff val="60000"/>
+                      </a:schemeClr>
+                    </a:solidFill>
+                  </a:tcPr>
+                </a:tc>
+              </a:tr>
+              <a:tr h="370840">
+                <a:tc>
+                  <a:txBody>
+                    <a:bodyPr/>
+                    <a:lstStyle/>
+                    <a:p>
+                      <a:r>
+                        <a:rPr lang="en-US" b="0" dirty="0" smtClean="0">
+                          <a:solidFill>
+                            <a:schemeClr val="bg1"/>
+                          </a:solidFill>
+                        </a:rPr>
+                        <a:t>RVM </a:t>
+                      </a:r>
+                      <a:r>
+                        <a:rPr lang="en-US" b="0" baseline="0" dirty="0" smtClean="0">
+                          <a:solidFill>
+                            <a:schemeClr val="bg1"/>
+                          </a:solidFill>
+                        </a:rPr>
+                        <a:t>Requirement Wording</a:t>
+                      </a:r>
+                      <a:endParaRPr lang="en-US" b="0" dirty="0">
+                        <a:solidFill>
+                          <a:schemeClr val="bg1"/>
+                        </a:solidFill>
+                      </a:endParaRPr>
+                    </a:p>
+                  </a:txBody>
+                  <a:tcPr anchor="ctr">
+                    <a:lnL w="12700" cap="flat" cmpd="sng" algn="ctr">
+                      <a:solidFill>
+                        <a:schemeClr val="tx1"/>
+                      </a:solidFill>
+                      <a:prstDash val="solid"/>
+                      <a:round/>
+                      <a:headEnd type="none" w="med" len="med"/>
+                      <a:tailEnd type="none" w="med" len="med"/>
+                    </a:lnL>
+                    <a:lnR w="12700" cap="flat" cmpd="sng" algn="ctr">
+                      <a:solidFill>
+                        <a:schemeClr val="tx1"/>
+                      </a:solidFill>
+                      <a:prstDash val="solid"/>
+                      <a:round/>
+                      <a:headEnd type="none" w="med" len="med"/>
+                      <a:tailEnd type="none" w="med" len="med"/>
+                    </a:lnR>
+                    <a:lnT w="12700" cap="flat" cmpd="sng" algn="ctr">
+                      <a:solidFill>
+                        <a:schemeClr val="tx1"/>
+                      </a:solidFill>
+                      <a:prstDash val="solid"/>
+                      <a:round/>
+                      <a:headEnd type="none" w="med" len="med"/>
+                      <a:tailEnd type="none" w="med" len="med"/>
+                    </a:lnT>
+                    <a:lnB w="12700" cap="flat" cmpd="sng" algn="ctr">
+                      <a:solidFill>
+                        <a:schemeClr val="tx1"/>
+                      </a:solidFill>
+                      <a:prstDash val="solid"/>
+                      <a:round/>
+                      <a:headEnd type="none" w="med" len="med"/>
+                      <a:tailEnd type="none" w="med" len="med"/>
+                    </a:lnB>
+                    <a:solidFill>
+                      <a:schemeClr val="tx2">
+                        <a:lumMod val="75000"/>
+                      </a:schemeClr>
+                    </a:solidFill>
+                  </a:tcPr>
+                </a:tc>
+                <a:tc>
+                  <a:txBody>
+                    <a:bodyPr/>
+                    <a:lstStyle/>
+                    <a:p>
+                      <a:r>
+                        <a:rPr lang="en-US" b="1" i="1" dirty="0" smtClean="0">
+                          <a:solidFill>
+                            <a:schemeClr val="tx1"/>
+                          </a:solidFill>
+                        </a:rPr>
+                        <a:t>“Jade</a:t>
+                      </a:r>
+                      <a:r>
+                        <a:rPr lang="en-US" b="1" i="1" baseline="0" dirty="0" smtClean="0">
+                          <a:solidFill>
+                            <a:schemeClr val="tx1"/>
+                          </a:solidFill>
+                        </a:rPr>
+                        <a:t> and Turquoise Shall be Capable of Separating from One Another with a  Relative Velocity no Greater than 5 cm/s</a:t>
+                      </a:r>
+                      <a:r>
+                        <a:rPr lang="en-US" b="1" i="1" dirty="0" smtClean="0">
+                          <a:solidFill>
+                            <a:schemeClr val="tx1"/>
+                          </a:solidFill>
+                        </a:rPr>
+                        <a:t>”</a:t>
+                      </a:r>
+                      <a:endParaRPr lang="en-US" b="1" i="1" dirty="0">
+                        <a:solidFill>
+                          <a:schemeClr val="tx1"/>
+                        </a:solidFill>
+                      </a:endParaRPr>
+                    </a:p>
+                  </a:txBody>
+                  <a:tcPr>
+                    <a:lnL w="12700" cap="flat" cmpd="sng" algn="ctr">
+                      <a:solidFill>
+                        <a:schemeClr val="tx1"/>
+                      </a:solidFill>
+                      <a:prstDash val="solid"/>
+                      <a:round/>
+                      <a:headEnd type="none" w="med" len="med"/>
+                      <a:tailEnd type="none" w="med" len="med"/>
+                    </a:lnL>
+                    <a:lnR w="12700" cap="flat" cmpd="sng" algn="ctr">
+                      <a:solidFill>
+                        <a:schemeClr val="tx1"/>
+                      </a:solidFill>
+                      <a:prstDash val="solid"/>
+                      <a:round/>
+                      <a:headEnd type="none" w="med" len="med"/>
+                      <a:tailEnd type="none" w="med" len="med"/>
+                    </a:lnR>
+                    <a:lnT w="12700" cap="flat" cmpd="sng" algn="ctr">
+                      <a:solidFill>
+                        <a:schemeClr val="tx1"/>
+                      </a:solidFill>
+                      <a:prstDash val="solid"/>
+                      <a:round/>
+                      <a:headEnd type="none" w="med" len="med"/>
+                      <a:tailEnd type="none" w="med" len="med"/>
+                    </a:lnT>
+                    <a:lnB w="12700" cap="flat" cmpd="sng" algn="ctr">
+                      <a:solidFill>
+                        <a:schemeClr val="tx1"/>
+                      </a:solidFill>
+                      <a:prstDash val="solid"/>
+                      <a:round/>
+                      <a:headEnd type="none" w="med" len="med"/>
+                      <a:tailEnd type="none" w="med" len="med"/>
+                    </a:lnB>
+                    <a:solidFill>
+                      <a:schemeClr val="tx2">
+                        <a:lumMod val="40000"/>
+                        <a:lumOff val="60000"/>
+                      </a:schemeClr>
+                    </a:solidFill>
+                  </a:tcPr>
+                </a:tc>
+              </a:tr>
+              <a:tr h="370840">
+                <a:tc>
+                  <a:txBody>
+                    <a:bodyPr/>
+                    <a:lstStyle/>
+                    <a:p>
+                      <a:r>
+                        <a:rPr lang="en-US" b="0" dirty="0" smtClean="0">
+                          <a:solidFill>
+                            <a:schemeClr val="bg1"/>
+                          </a:solidFill>
+                        </a:rPr>
+                        <a:t>Validation Method</a:t>
+                      </a:r>
+                      <a:endParaRPr lang="en-US" b="0" dirty="0">
+                        <a:solidFill>
+                          <a:schemeClr val="bg1"/>
+                        </a:solidFill>
+                      </a:endParaRPr>
+                    </a:p>
+                  </a:txBody>
+                  <a:tcPr anchor="ctr">
+                    <a:lnL w="12700" cap="flat" cmpd="sng" algn="ctr">
+                      <a:solidFill>
+                        <a:schemeClr val="tx1"/>
+                      </a:solidFill>
+                      <a:prstDash val="solid"/>
+                      <a:round/>
+                      <a:headEnd type="none" w="med" len="med"/>
+                      <a:tailEnd type="none" w="med" len="med"/>
+                    </a:lnL>
+                    <a:lnR w="12700" cap="flat" cmpd="sng" algn="ctr">
+                      <a:solidFill>
+                        <a:schemeClr val="tx1"/>
+                      </a:solidFill>
+                      <a:prstDash val="solid"/>
+                      <a:round/>
+                      <a:headEnd type="none" w="med" len="med"/>
+                      <a:tailEnd type="none" w="med" len="med"/>
+                    </a:lnR>
+                    <a:lnT w="12700" cap="flat" cmpd="sng" algn="ctr">
+                      <a:solidFill>
+                        <a:schemeClr val="tx1"/>
+                      </a:solidFill>
+                      <a:prstDash val="solid"/>
+                      <a:round/>
+                      <a:headEnd type="none" w="med" len="med"/>
+                      <a:tailEnd type="none" w="med" len="med"/>
+                    </a:lnT>
+                    <a:lnB w="12700" cap="flat" cmpd="sng" algn="ctr">
+                      <a:solidFill>
+                        <a:schemeClr val="tx1"/>
+                      </a:solidFill>
+                      <a:prstDash val="solid"/>
+                      <a:round/>
+                      <a:headEnd type="none" w="med" len="med"/>
+                      <a:tailEnd type="none" w="med" len="med"/>
+                    </a:lnB>
+                    <a:solidFill>
+                      <a:schemeClr val="tx2">
+                        <a:lumMod val="75000"/>
+                      </a:schemeClr>
+                    </a:solidFill>
+                  </a:tcPr>
+                </a:tc>
+                <a:tc>
+                  <a:txBody>
+                    <a:bodyPr/>
+                    <a:lstStyle/>
+                    <a:p>
+                      <a:r>
+                        <a:rPr lang="en-US" b="1" i="0" dirty="0" smtClean="0">
+                          <a:solidFill>
+                            <a:schemeClr val="tx1"/>
+                          </a:solidFill>
+                        </a:rPr>
+                        <a:t>Analyze</a:t>
+                      </a:r>
+                      <a:endParaRPr lang="en-US" b="1" i="0" dirty="0">
+                        <a:solidFill>
+                          <a:schemeClr val="tx1"/>
+                        </a:solidFill>
+                      </a:endParaRPr>
+                    </a:p>
+                  </a:txBody>
+                  <a:tcPr>
+                    <a:lnL w="12700" cap="flat" cmpd="sng" algn="ctr">
+                      <a:solidFill>
+                        <a:schemeClr val="tx1"/>
+                      </a:solidFill>
+                      <a:prstDash val="solid"/>
+                      <a:round/>
+                      <a:headEnd type="none" w="med" len="med"/>
+                      <a:tailEnd type="none" w="med" len="med"/>
+                    </a:lnL>
+                    <a:lnR w="12700" cap="flat" cmpd="sng" algn="ctr">
+                      <a:solidFill>
+                        <a:schemeClr val="tx1"/>
+                      </a:solidFill>
+                      <a:prstDash val="solid"/>
+                      <a:round/>
+                      <a:headEnd type="none" w="med" len="med"/>
+                      <a:tailEnd type="none" w="med" len="med"/>
+                    </a:lnR>
+                    <a:lnT w="12700" cap="flat" cmpd="sng" algn="ctr">
+                      <a:solidFill>
+                        <a:schemeClr val="tx1"/>
+                      </a:solidFill>
+                      <a:prstDash val="solid"/>
+                      <a:round/>
+                      <a:headEnd type="none" w="med" len="med"/>
+                      <a:tailEnd type="none" w="med" len="med"/>
+                    </a:lnT>
+                    <a:lnB w="12700" cap="flat" cmpd="sng" algn="ctr">
+                      <a:solidFill>
+                        <a:schemeClr val="tx1"/>
+                      </a:solidFill>
+                      <a:prstDash val="solid"/>
+                      <a:round/>
+                      <a:headEnd type="none" w="med" len="med"/>
+                      <a:tailEnd type="none" w="med" len="med"/>
+                    </a:lnB>
+                    <a:solidFill>
+                      <a:schemeClr val="tx2">
+                        <a:lumMod val="40000"/>
+                        <a:lumOff val="60000"/>
+                      </a:schemeClr>
+                    </a:solidFill>
+                  </a:tcPr>
+                </a:tc>
+              </a:tr>
+            </a:tbl>
+          </a:graphicData>
+        </a:graphic>
+      </p:graphicFrame>
+      <p:pic>
+        <p:nvPicPr>
+          <p:cNvPr id="6" name="Picture 5" descr="Magnitude of Relative Displacement 5 cm-s Initial Relative Velocity.tif"/>
+          <p:cNvPicPr/>
+          <p:nvPr/>
+        </p:nvPicPr>
+        <p:blipFill>
+          <a:blip r:embed="rId2" cstate="print"/>
+          <a:srcRect l="9487" t="5391" r="7677" b="6194"/>
+          <a:stretch>
+            <a:fillRect/>
+          </a:stretch>
+        </p:blipFill>
+        <p:spPr>
+          <a:xfrm>
+            <a:off x="457200" y="3200400"/>
+            <a:ext cx="4343400" cy="2514600"/>
+          </a:xfrm>
+          <a:prstGeom prst="rect">
+            <a:avLst/>
+          </a:prstGeom>
+          <a:ln>
+            <a:solidFill>
+              <a:schemeClr val="tx1"/>
+            </a:solidFill>
+          </a:ln>
+        </p:spPr>
+      </p:pic>
+      <p:sp>
+        <p:nvSpPr>
+          <p:cNvPr id="1025" name="Rectangle 1"/>
+          <p:cNvSpPr>
+            <a:spLocks noChangeArrowheads="1"/>
+          </p:cNvSpPr>
+          <p:nvPr/>
+        </p:nvSpPr>
+        <p:spPr bwMode="auto">
+          <a:xfrm>
+            <a:off x="914400" y="5715000"/>
+            <a:ext cx="3505200" cy="444043"/>
+          </a:xfrm>
+          <a:prstGeom prst="rect">
+            <a:avLst/>
+          </a:prstGeom>
+          <a:noFill/>
+          <a:ln w="9525">
+            <a:noFill/>
+            <a:miter lim="800000"/>
+            <a:headEnd/>
+            <a:tailEnd/>
+          </a:ln>
+          <a:effectLst/>
+        </p:spPr>
+        <p:txBody>
+          <a:bodyPr vert="horz" wrap="square" lIns="91440" tIns="45720" rIns="91440" bIns="45720" numCol="1" anchor="ctr" anchorCtr="0" compatLnSpc="1">
+            <a:prstTxWarp prst="textNoShape">
+              <a:avLst/>
+            </a:prstTxWarp>
+            <a:spAutoFit/>
+          </a:bodyPr>
+          <a:lstStyle/>
+          <a:p>
+            <a:pPr marL="0" marR="0" lvl="0" indent="0" algn="ctr" defTabSz="914400" rtl="0" eaLnBrk="1" fontAlgn="base" latinLnBrk="0" hangingPunct="1">
+              <a:lnSpc>
+                <a:spcPct val="100000"/>
+              </a:lnSpc>
+              <a:spcBef>
+                <a:spcPct val="0"/>
+              </a:spcBef>
+              <a:spcAft>
+                <a:spcPct val="0"/>
+              </a:spcAft>
+              <a:buClrTx/>
+              <a:buSzTx/>
+              <a:buFontTx/>
+              <a:buNone/>
+              <a:tabLst/>
+            </a:pPr>
+            <a:r>
+              <a:rPr kumimoji="0" lang="en-US" sz="1100" b="1" i="0" u="none" strike="noStrike" cap="none" normalizeH="0" baseline="0" dirty="0" smtClean="0">
+                <a:ln>
+                  <a:noFill/>
+                </a:ln>
+                <a:solidFill>
+                  <a:schemeClr val="tx1"/>
+                </a:solidFill>
+                <a:effectLst/>
+                <a:latin typeface="Times New Roman" pitchFamily="18" charset="0"/>
+                <a:ea typeface="SimSun" pitchFamily="2" charset="-122"/>
+                <a:cs typeface="Times New Roman" pitchFamily="18" charset="0"/>
+              </a:rPr>
+              <a:t>Relative Displacement Magnitude for 10 cm/s Initial Relative Velocity</a:t>
+            </a:r>
+            <a:endParaRPr kumimoji="0" lang="en-US" sz="1800" b="0" i="0" u="none" strike="noStrike" cap="none" normalizeH="0" baseline="0" dirty="0" smtClean="0">
+              <a:ln>
+                <a:noFill/>
+              </a:ln>
+              <a:solidFill>
+                <a:schemeClr val="tx1"/>
+              </a:solidFill>
+              <a:effectLst/>
+              <a:latin typeface="Arial" pitchFamily="34" charset="0"/>
+              <a:cs typeface="Arial" pitchFamily="34" charset="0"/>
+            </a:endParaRPr>
+          </a:p>
+        </p:txBody>
+      </p:sp>
+      <p:pic>
+        <p:nvPicPr>
+          <p:cNvPr id="7" name="Picture 6" descr="Magnitude of Relative Displacement 50 cm-s Initial Relative Velocity.tif"/>
+          <p:cNvPicPr/>
+          <p:nvPr/>
+        </p:nvPicPr>
+        <p:blipFill>
+          <a:blip r:embed="rId3" cstate="print"/>
+          <a:srcRect l="9207" t="5545" r="7803" b="6535"/>
+          <a:stretch>
+            <a:fillRect/>
+          </a:stretch>
+        </p:blipFill>
+        <p:spPr>
+          <a:xfrm>
+            <a:off x="4953000" y="3200400"/>
+            <a:ext cx="3962400" cy="2514600"/>
+          </a:xfrm>
+          <a:prstGeom prst="rect">
+            <a:avLst/>
+          </a:prstGeom>
+          <a:ln>
+            <a:solidFill>
+              <a:schemeClr val="tx1"/>
+            </a:solidFill>
+          </a:ln>
+        </p:spPr>
+      </p:pic>
+      <p:sp>
+        <p:nvSpPr>
+          <p:cNvPr id="8" name="Rectangle 1"/>
+          <p:cNvSpPr>
+            <a:spLocks noChangeArrowheads="1"/>
+          </p:cNvSpPr>
+          <p:nvPr/>
+        </p:nvSpPr>
+        <p:spPr bwMode="auto">
+          <a:xfrm>
+            <a:off x="5105400" y="5715000"/>
+            <a:ext cx="3733800" cy="430887"/>
+          </a:xfrm>
+          <a:prstGeom prst="rect">
+            <a:avLst/>
+          </a:prstGeom>
+          <a:noFill/>
+          <a:ln w="9525">
+            <a:noFill/>
+            <a:miter lim="800000"/>
+            <a:headEnd/>
+            <a:tailEnd/>
+          </a:ln>
+          <a:effectLst/>
+        </p:spPr>
+        <p:txBody>
+          <a:bodyPr vert="horz" wrap="square" lIns="91440" tIns="45720" rIns="91440" bIns="45720" numCol="1" anchor="ctr" anchorCtr="0" compatLnSpc="1">
+            <a:prstTxWarp prst="textNoShape">
+              <a:avLst/>
+            </a:prstTxWarp>
+            <a:spAutoFit/>
+          </a:bodyPr>
+          <a:lstStyle/>
+          <a:p>
+            <a:pPr marL="0" marR="0" lvl="0" indent="0" algn="ctr" defTabSz="914400" rtl="0" eaLnBrk="1" fontAlgn="base" latinLnBrk="0" hangingPunct="1">
+              <a:lnSpc>
+                <a:spcPct val="100000"/>
+              </a:lnSpc>
+              <a:spcBef>
+                <a:spcPct val="0"/>
+              </a:spcBef>
+              <a:spcAft>
+                <a:spcPct val="0"/>
+              </a:spcAft>
+              <a:buClrTx/>
+              <a:buSzTx/>
+              <a:buFontTx/>
+              <a:buNone/>
+              <a:tabLst/>
+            </a:pPr>
+            <a:r>
+              <a:rPr kumimoji="0" lang="en-US" sz="1100" b="1" i="0" u="none" strike="noStrike" cap="none" normalizeH="0" baseline="0" dirty="0" smtClean="0">
+                <a:ln>
+                  <a:noFill/>
+                </a:ln>
+                <a:solidFill>
+                  <a:schemeClr val="tx1"/>
+                </a:solidFill>
+                <a:effectLst/>
+                <a:latin typeface="Times New Roman" pitchFamily="18" charset="0"/>
+                <a:ea typeface="SimSun" pitchFamily="2" charset="-122"/>
+                <a:cs typeface="Times New Roman" pitchFamily="18" charset="0"/>
+              </a:rPr>
+              <a:t>Relative Displacement Magnitude for 50 cm/s Initial Relative Velocity</a:t>
+            </a:r>
+            <a:endParaRPr kumimoji="0" lang="en-US" sz="1800" b="0" i="0" u="none" strike="noStrike" cap="none" normalizeH="0" baseline="0" dirty="0" smtClean="0">
+              <a:ln>
+                <a:noFill/>
+              </a:ln>
+              <a:solidFill>
+                <a:schemeClr val="tx1"/>
+              </a:solidFill>
+              <a:effectLst/>
+              <a:latin typeface="Arial" pitchFamily="34" charset="0"/>
+              <a:cs typeface="Arial" pitchFamily="34" charset="0"/>
+            </a:endParaRPr>
+          </a:p>
+        </p:txBody>
+      </p:sp>
+    </p:spTree>
+    <p:extLst>
+      <p:ext uri="{BB962C8B-B14F-4D97-AF65-F5344CB8AC3E}">
+        <p14:creationId xmlns:p14="http://schemas.microsoft.com/office/powerpoint/2010/main" xmlns="" val="2711901525"/>
+      </p:ext>
+    </p:extLst>
+  </p:cSld>
+  <p:clrMapOvr>
+    <a:masterClrMapping/>
+  </p:clrMapOvr>
+  <p:timing>
+    <p:tnLst>
+      <p:par>
+        <p:cTn id="1" dur="indefinite" restart="never" nodeType="tmRoot"/>
+      </p:par>
+    </p:tnLst>
+  </p:timing>
 </p:sld>
 </file>
 

--- a/CMQA/Presentations/Tom Slides/Tom Slides.pptx
+++ b/CMQA/Presentations/Tom Slides/Tom Slides.pptx
@@ -9,6 +9,8 @@
     <p:sldId id="258" r:id="rId3"/>
     <p:sldId id="259" r:id="rId4"/>
     <p:sldId id="260" r:id="rId5"/>
+    <p:sldId id="261" r:id="rId6"/>
+    <p:sldId id="262" r:id="rId7"/>
   </p:sldIdLst>
   <p:sldSz cx="9144000" cy="6858000" type="screen4x3"/>
   <p:notesSz cx="6858000" cy="9144000"/>
@@ -5391,6 +5393,1042 @@
               <a:latin typeface="Arial" pitchFamily="34" charset="0"/>
               <a:cs typeface="Arial" pitchFamily="34" charset="0"/>
             </a:endParaRPr>
+          </a:p>
+        </p:txBody>
+      </p:sp>
+    </p:spTree>
+    <p:extLst>
+      <p:ext uri="{BB962C8B-B14F-4D97-AF65-F5344CB8AC3E}">
+        <p14:creationId xmlns:p14="http://schemas.microsoft.com/office/powerpoint/2010/main" xmlns="" val="2711901525"/>
+      </p:ext>
+    </p:extLst>
+  </p:cSld>
+  <p:clrMapOvr>
+    <a:masterClrMapping/>
+  </p:clrMapOvr>
+  <p:timing>
+    <p:tnLst>
+      <p:par>
+        <p:cTn id="1" dur="indefinite" restart="never" nodeType="tmRoot"/>
+      </p:par>
+    </p:tnLst>
+  </p:timing>
+</p:sld>
+</file>
+
+<file path=ppt/slides/slide5.xml><?xml version="1.0" encoding="utf-8"?>
+<p:sld xmlns:a="http://schemas.openxmlformats.org/drawingml/2006/main" xmlns:r="http://schemas.openxmlformats.org/officeDocument/2006/relationships" xmlns:p="http://schemas.openxmlformats.org/presentationml/2006/main">
+  <p:cSld>
+    <p:spTree>
+      <p:nvGrpSpPr>
+        <p:cNvPr id="1" name=""/>
+        <p:cNvGrpSpPr/>
+        <p:nvPr/>
+      </p:nvGrpSpPr>
+      <p:grpSpPr>
+        <a:xfrm>
+          <a:off x="0" y="0"/>
+          <a:ext cx="0" cy="0"/>
+          <a:chOff x="0" y="0"/>
+          <a:chExt cx="0" cy="0"/>
+        </a:xfrm>
+      </p:grpSpPr>
+      <p:graphicFrame>
+        <p:nvGraphicFramePr>
+          <p:cNvPr id="4" name="Content Placeholder 3"/>
+          <p:cNvGraphicFramePr>
+            <a:graphicFrameLocks noGrp="1"/>
+          </p:cNvGraphicFramePr>
+          <p:nvPr>
+            <p:ph idx="1"/>
+            <p:extLst>
+              <p:ext uri="{D42A27DB-BD31-4B8C-83A1-F6EECF244321}">
+                <p14:modId xmlns:p14="http://schemas.microsoft.com/office/powerpoint/2010/main" xmlns="" val="1483644448"/>
+              </p:ext>
+            </p:extLst>
+          </p:nvPr>
+        </p:nvGraphicFramePr>
+        <p:xfrm>
+          <a:off x="533400" y="1143000"/>
+          <a:ext cx="8229600" cy="1381760"/>
+        </p:xfrm>
+        <a:graphic>
+          <a:graphicData uri="http://schemas.openxmlformats.org/drawingml/2006/table">
+            <a:tbl>
+              <a:tblPr firstRow="1" bandRow="1">
+                <a:tableStyleId>{5C22544A-7EE6-4342-B048-85BDC9FD1C3A}</a:tableStyleId>
+              </a:tblPr>
+              <a:tblGrid>
+                <a:gridCol w="3200400"/>
+                <a:gridCol w="5029200"/>
+              </a:tblGrid>
+              <a:tr h="370840">
+                <a:tc>
+                  <a:txBody>
+                    <a:bodyPr/>
+                    <a:lstStyle/>
+                    <a:p>
+                      <a:r>
+                        <a:rPr lang="en-US" b="0" dirty="0" smtClean="0">
+                          <a:solidFill>
+                            <a:schemeClr val="bg1"/>
+                          </a:solidFill>
+                        </a:rPr>
+                        <a:t> RVM Requirement Number</a:t>
+                      </a:r>
+                      <a:endParaRPr lang="en-US" b="0" dirty="0">
+                        <a:solidFill>
+                          <a:schemeClr val="bg1"/>
+                        </a:solidFill>
+                      </a:endParaRPr>
+                    </a:p>
+                  </a:txBody>
+                  <a:tcPr anchor="ctr">
+                    <a:lnL w="12700" cap="flat" cmpd="sng" algn="ctr">
+                      <a:solidFill>
+                        <a:schemeClr val="tx1"/>
+                      </a:solidFill>
+                      <a:prstDash val="solid"/>
+                      <a:round/>
+                      <a:headEnd type="none" w="med" len="med"/>
+                      <a:tailEnd type="none" w="med" len="med"/>
+                    </a:lnL>
+                    <a:lnR w="12700" cap="flat" cmpd="sng" algn="ctr">
+                      <a:solidFill>
+                        <a:schemeClr val="tx1"/>
+                      </a:solidFill>
+                      <a:prstDash val="solid"/>
+                      <a:round/>
+                      <a:headEnd type="none" w="med" len="med"/>
+                      <a:tailEnd type="none" w="med" len="med"/>
+                    </a:lnR>
+                    <a:lnT w="12700" cap="flat" cmpd="sng" algn="ctr">
+                      <a:solidFill>
+                        <a:schemeClr val="tx1"/>
+                      </a:solidFill>
+                      <a:prstDash val="solid"/>
+                      <a:round/>
+                      <a:headEnd type="none" w="med" len="med"/>
+                      <a:tailEnd type="none" w="med" len="med"/>
+                    </a:lnT>
+                    <a:lnB w="12700" cap="flat" cmpd="sng" algn="ctr">
+                      <a:solidFill>
+                        <a:schemeClr val="tx1"/>
+                      </a:solidFill>
+                      <a:prstDash val="solid"/>
+                      <a:round/>
+                      <a:headEnd type="none" w="med" len="med"/>
+                      <a:tailEnd type="none" w="med" len="med"/>
+                    </a:lnB>
+                    <a:solidFill>
+                      <a:schemeClr val="tx2">
+                        <a:lumMod val="75000"/>
+                      </a:schemeClr>
+                    </a:solidFill>
+                  </a:tcPr>
+                </a:tc>
+                <a:tc>
+                  <a:txBody>
+                    <a:bodyPr/>
+                    <a:lstStyle/>
+                    <a:p>
+                      <a:r>
+                        <a:rPr lang="en-US" b="1" dirty="0" smtClean="0">
+                          <a:solidFill>
+                            <a:schemeClr val="tx1"/>
+                          </a:solidFill>
+                        </a:rPr>
+                        <a:t>RCL.SS.MOP2</a:t>
+                      </a:r>
+                      <a:endParaRPr lang="en-US" b="1" dirty="0">
+                        <a:solidFill>
+                          <a:schemeClr val="tx1"/>
+                        </a:solidFill>
+                      </a:endParaRPr>
+                    </a:p>
+                  </a:txBody>
+                  <a:tcPr>
+                    <a:lnL w="12700" cap="flat" cmpd="sng" algn="ctr">
+                      <a:solidFill>
+                        <a:schemeClr val="tx1"/>
+                      </a:solidFill>
+                      <a:prstDash val="solid"/>
+                      <a:round/>
+                      <a:headEnd type="none" w="med" len="med"/>
+                      <a:tailEnd type="none" w="med" len="med"/>
+                    </a:lnL>
+                    <a:lnR w="12700" cap="flat" cmpd="sng" algn="ctr">
+                      <a:solidFill>
+                        <a:schemeClr val="tx1"/>
+                      </a:solidFill>
+                      <a:prstDash val="solid"/>
+                      <a:round/>
+                      <a:headEnd type="none" w="med" len="med"/>
+                      <a:tailEnd type="none" w="med" len="med"/>
+                    </a:lnR>
+                    <a:lnT w="12700" cap="flat" cmpd="sng" algn="ctr">
+                      <a:solidFill>
+                        <a:schemeClr val="tx1"/>
+                      </a:solidFill>
+                      <a:prstDash val="solid"/>
+                      <a:round/>
+                      <a:headEnd type="none" w="med" len="med"/>
+                      <a:tailEnd type="none" w="med" len="med"/>
+                    </a:lnT>
+                    <a:lnB w="12700" cap="flat" cmpd="sng" algn="ctr">
+                      <a:solidFill>
+                        <a:schemeClr val="tx1"/>
+                      </a:solidFill>
+                      <a:prstDash val="solid"/>
+                      <a:round/>
+                      <a:headEnd type="none" w="med" len="med"/>
+                      <a:tailEnd type="none" w="med" len="med"/>
+                    </a:lnB>
+                    <a:solidFill>
+                      <a:schemeClr val="tx2">
+                        <a:lumMod val="40000"/>
+                        <a:lumOff val="60000"/>
+                      </a:schemeClr>
+                    </a:solidFill>
+                  </a:tcPr>
+                </a:tc>
+              </a:tr>
+              <a:tr h="370840">
+                <a:tc>
+                  <a:txBody>
+                    <a:bodyPr/>
+                    <a:lstStyle/>
+                    <a:p>
+                      <a:r>
+                        <a:rPr lang="en-US" b="0" dirty="0" smtClean="0">
+                          <a:solidFill>
+                            <a:schemeClr val="bg1"/>
+                          </a:solidFill>
+                        </a:rPr>
+                        <a:t>RVM </a:t>
+                      </a:r>
+                      <a:r>
+                        <a:rPr lang="en-US" b="0" baseline="0" dirty="0" smtClean="0">
+                          <a:solidFill>
+                            <a:schemeClr val="bg1"/>
+                          </a:solidFill>
+                        </a:rPr>
+                        <a:t>Requirement Wording</a:t>
+                      </a:r>
+                      <a:endParaRPr lang="en-US" b="0" dirty="0">
+                        <a:solidFill>
+                          <a:schemeClr val="bg1"/>
+                        </a:solidFill>
+                      </a:endParaRPr>
+                    </a:p>
+                  </a:txBody>
+                  <a:tcPr anchor="ctr">
+                    <a:lnL w="12700" cap="flat" cmpd="sng" algn="ctr">
+                      <a:solidFill>
+                        <a:schemeClr val="tx1"/>
+                      </a:solidFill>
+                      <a:prstDash val="solid"/>
+                      <a:round/>
+                      <a:headEnd type="none" w="med" len="med"/>
+                      <a:tailEnd type="none" w="med" len="med"/>
+                    </a:lnL>
+                    <a:lnR w="12700" cap="flat" cmpd="sng" algn="ctr">
+                      <a:solidFill>
+                        <a:schemeClr val="tx1"/>
+                      </a:solidFill>
+                      <a:prstDash val="solid"/>
+                      <a:round/>
+                      <a:headEnd type="none" w="med" len="med"/>
+                      <a:tailEnd type="none" w="med" len="med"/>
+                    </a:lnR>
+                    <a:lnT w="12700" cap="flat" cmpd="sng" algn="ctr">
+                      <a:solidFill>
+                        <a:schemeClr val="tx1"/>
+                      </a:solidFill>
+                      <a:prstDash val="solid"/>
+                      <a:round/>
+                      <a:headEnd type="none" w="med" len="med"/>
+                      <a:tailEnd type="none" w="med" len="med"/>
+                    </a:lnT>
+                    <a:lnB w="12700" cap="flat" cmpd="sng" algn="ctr">
+                      <a:solidFill>
+                        <a:schemeClr val="tx1"/>
+                      </a:solidFill>
+                      <a:prstDash val="solid"/>
+                      <a:round/>
+                      <a:headEnd type="none" w="med" len="med"/>
+                      <a:tailEnd type="none" w="med" len="med"/>
+                    </a:lnB>
+                    <a:solidFill>
+                      <a:schemeClr val="tx2">
+                        <a:lumMod val="75000"/>
+                      </a:schemeClr>
+                    </a:solidFill>
+                  </a:tcPr>
+                </a:tc>
+                <a:tc>
+                  <a:txBody>
+                    <a:bodyPr/>
+                    <a:lstStyle/>
+                    <a:p>
+                      <a:r>
+                        <a:rPr lang="en-US" b="1" i="1" dirty="0" smtClean="0">
+                          <a:solidFill>
+                            <a:schemeClr val="tx1"/>
+                          </a:solidFill>
+                        </a:rPr>
+                        <a:t>“Jade and</a:t>
+                      </a:r>
+                      <a:r>
+                        <a:rPr lang="en-US" b="1" i="1" baseline="0" dirty="0" smtClean="0">
+                          <a:solidFill>
+                            <a:schemeClr val="tx1"/>
+                          </a:solidFill>
+                        </a:rPr>
+                        <a:t> Turquoise Shall Achieve a Local Slew Rate of Less Than 1 deg/s</a:t>
+                      </a:r>
+                      <a:r>
+                        <a:rPr lang="en-US" b="1" i="1" dirty="0" smtClean="0">
+                          <a:solidFill>
+                            <a:schemeClr val="tx1"/>
+                          </a:solidFill>
+                        </a:rPr>
+                        <a:t>”</a:t>
+                      </a:r>
+                      <a:endParaRPr lang="en-US" b="1" i="1" dirty="0">
+                        <a:solidFill>
+                          <a:schemeClr val="tx1"/>
+                        </a:solidFill>
+                      </a:endParaRPr>
+                    </a:p>
+                  </a:txBody>
+                  <a:tcPr>
+                    <a:lnL w="12700" cap="flat" cmpd="sng" algn="ctr">
+                      <a:solidFill>
+                        <a:schemeClr val="tx1"/>
+                      </a:solidFill>
+                      <a:prstDash val="solid"/>
+                      <a:round/>
+                      <a:headEnd type="none" w="med" len="med"/>
+                      <a:tailEnd type="none" w="med" len="med"/>
+                    </a:lnL>
+                    <a:lnR w="12700" cap="flat" cmpd="sng" algn="ctr">
+                      <a:solidFill>
+                        <a:schemeClr val="tx1"/>
+                      </a:solidFill>
+                      <a:prstDash val="solid"/>
+                      <a:round/>
+                      <a:headEnd type="none" w="med" len="med"/>
+                      <a:tailEnd type="none" w="med" len="med"/>
+                    </a:lnR>
+                    <a:lnT w="12700" cap="flat" cmpd="sng" algn="ctr">
+                      <a:solidFill>
+                        <a:schemeClr val="tx1"/>
+                      </a:solidFill>
+                      <a:prstDash val="solid"/>
+                      <a:round/>
+                      <a:headEnd type="none" w="med" len="med"/>
+                      <a:tailEnd type="none" w="med" len="med"/>
+                    </a:lnT>
+                    <a:lnB w="12700" cap="flat" cmpd="sng" algn="ctr">
+                      <a:solidFill>
+                        <a:schemeClr val="tx1"/>
+                      </a:solidFill>
+                      <a:prstDash val="solid"/>
+                      <a:round/>
+                      <a:headEnd type="none" w="med" len="med"/>
+                      <a:tailEnd type="none" w="med" len="med"/>
+                    </a:lnB>
+                    <a:solidFill>
+                      <a:schemeClr val="tx2">
+                        <a:lumMod val="40000"/>
+                        <a:lumOff val="60000"/>
+                      </a:schemeClr>
+                    </a:solidFill>
+                  </a:tcPr>
+                </a:tc>
+              </a:tr>
+              <a:tr h="370840">
+                <a:tc>
+                  <a:txBody>
+                    <a:bodyPr/>
+                    <a:lstStyle/>
+                    <a:p>
+                      <a:r>
+                        <a:rPr lang="en-US" b="0" dirty="0" smtClean="0">
+                          <a:solidFill>
+                            <a:schemeClr val="bg1"/>
+                          </a:solidFill>
+                        </a:rPr>
+                        <a:t>Validation Method</a:t>
+                      </a:r>
+                      <a:endParaRPr lang="en-US" b="0" dirty="0">
+                        <a:solidFill>
+                          <a:schemeClr val="bg1"/>
+                        </a:solidFill>
+                      </a:endParaRPr>
+                    </a:p>
+                  </a:txBody>
+                  <a:tcPr anchor="ctr">
+                    <a:lnL w="12700" cap="flat" cmpd="sng" algn="ctr">
+                      <a:solidFill>
+                        <a:schemeClr val="tx1"/>
+                      </a:solidFill>
+                      <a:prstDash val="solid"/>
+                      <a:round/>
+                      <a:headEnd type="none" w="med" len="med"/>
+                      <a:tailEnd type="none" w="med" len="med"/>
+                    </a:lnL>
+                    <a:lnR w="12700" cap="flat" cmpd="sng" algn="ctr">
+                      <a:solidFill>
+                        <a:schemeClr val="tx1"/>
+                      </a:solidFill>
+                      <a:prstDash val="solid"/>
+                      <a:round/>
+                      <a:headEnd type="none" w="med" len="med"/>
+                      <a:tailEnd type="none" w="med" len="med"/>
+                    </a:lnR>
+                    <a:lnT w="12700" cap="flat" cmpd="sng" algn="ctr">
+                      <a:solidFill>
+                        <a:schemeClr val="tx1"/>
+                      </a:solidFill>
+                      <a:prstDash val="solid"/>
+                      <a:round/>
+                      <a:headEnd type="none" w="med" len="med"/>
+                      <a:tailEnd type="none" w="med" len="med"/>
+                    </a:lnT>
+                    <a:lnB w="12700" cap="flat" cmpd="sng" algn="ctr">
+                      <a:solidFill>
+                        <a:schemeClr val="tx1"/>
+                      </a:solidFill>
+                      <a:prstDash val="solid"/>
+                      <a:round/>
+                      <a:headEnd type="none" w="med" len="med"/>
+                      <a:tailEnd type="none" w="med" len="med"/>
+                    </a:lnB>
+                    <a:solidFill>
+                      <a:schemeClr val="tx2">
+                        <a:lumMod val="75000"/>
+                      </a:schemeClr>
+                    </a:solidFill>
+                  </a:tcPr>
+                </a:tc>
+                <a:tc>
+                  <a:txBody>
+                    <a:bodyPr/>
+                    <a:lstStyle/>
+                    <a:p>
+                      <a:r>
+                        <a:rPr lang="en-US" b="1" i="0" dirty="0" smtClean="0">
+                          <a:solidFill>
+                            <a:schemeClr val="tx1"/>
+                          </a:solidFill>
+                        </a:rPr>
+                        <a:t>Analyze</a:t>
+                      </a:r>
+                      <a:endParaRPr lang="en-US" b="1" i="0" dirty="0">
+                        <a:solidFill>
+                          <a:schemeClr val="tx1"/>
+                        </a:solidFill>
+                      </a:endParaRPr>
+                    </a:p>
+                  </a:txBody>
+                  <a:tcPr>
+                    <a:lnL w="12700" cap="flat" cmpd="sng" algn="ctr">
+                      <a:solidFill>
+                        <a:schemeClr val="tx1"/>
+                      </a:solidFill>
+                      <a:prstDash val="solid"/>
+                      <a:round/>
+                      <a:headEnd type="none" w="med" len="med"/>
+                      <a:tailEnd type="none" w="med" len="med"/>
+                    </a:lnL>
+                    <a:lnR w="12700" cap="flat" cmpd="sng" algn="ctr">
+                      <a:solidFill>
+                        <a:schemeClr val="tx1"/>
+                      </a:solidFill>
+                      <a:prstDash val="solid"/>
+                      <a:round/>
+                      <a:headEnd type="none" w="med" len="med"/>
+                      <a:tailEnd type="none" w="med" len="med"/>
+                    </a:lnR>
+                    <a:lnT w="12700" cap="flat" cmpd="sng" algn="ctr">
+                      <a:solidFill>
+                        <a:schemeClr val="tx1"/>
+                      </a:solidFill>
+                      <a:prstDash val="solid"/>
+                      <a:round/>
+                      <a:headEnd type="none" w="med" len="med"/>
+                      <a:tailEnd type="none" w="med" len="med"/>
+                    </a:lnT>
+                    <a:lnB w="12700" cap="flat" cmpd="sng" algn="ctr">
+                      <a:solidFill>
+                        <a:schemeClr val="tx1"/>
+                      </a:solidFill>
+                      <a:prstDash val="solid"/>
+                      <a:round/>
+                      <a:headEnd type="none" w="med" len="med"/>
+                      <a:tailEnd type="none" w="med" len="med"/>
+                    </a:lnB>
+                    <a:solidFill>
+                      <a:schemeClr val="tx2">
+                        <a:lumMod val="40000"/>
+                        <a:lumOff val="60000"/>
+                      </a:schemeClr>
+                    </a:solidFill>
+                  </a:tcPr>
+                </a:tc>
+              </a:tr>
+            </a:tbl>
+          </a:graphicData>
+        </a:graphic>
+      </p:graphicFrame>
+      <p:sp>
+        <p:nvSpPr>
+          <p:cNvPr id="5" name="TextBox 4"/>
+          <p:cNvSpPr txBox="1"/>
+          <p:nvPr/>
+        </p:nvSpPr>
+        <p:spPr>
+          <a:xfrm>
+            <a:off x="457200" y="2971800"/>
+            <a:ext cx="8305800" cy="1200329"/>
+          </a:xfrm>
+          <a:prstGeom prst="rect">
+            <a:avLst/>
+          </a:prstGeom>
+          <a:noFill/>
+        </p:spPr>
+        <p:txBody>
+          <a:bodyPr wrap="square" rtlCol="0">
+            <a:spAutoFit/>
+          </a:bodyPr>
+          <a:lstStyle/>
+          <a:p>
+            <a:pPr algn="just"/>
+            <a:r>
+              <a:rPr lang="en-US" sz="2400" b="1" dirty="0" smtClean="0"/>
+              <a:t>Based on slew rate data obtained from previous CubeSat missions, a CubeSat with a slew rate of less than 1 deg/s can be considered to have attained stability</a:t>
+            </a:r>
+            <a:endParaRPr lang="en-US" sz="2400" b="1" dirty="0" smtClean="0"/>
+          </a:p>
+        </p:txBody>
+      </p:sp>
+    </p:spTree>
+    <p:extLst>
+      <p:ext uri="{BB962C8B-B14F-4D97-AF65-F5344CB8AC3E}">
+        <p14:creationId xmlns:p14="http://schemas.microsoft.com/office/powerpoint/2010/main" xmlns="" val="2711901525"/>
+      </p:ext>
+    </p:extLst>
+  </p:cSld>
+  <p:clrMapOvr>
+    <a:masterClrMapping/>
+  </p:clrMapOvr>
+  <p:timing>
+    <p:tnLst>
+      <p:par>
+        <p:cTn id="1" dur="indefinite" restart="never" nodeType="tmRoot"/>
+      </p:par>
+    </p:tnLst>
+  </p:timing>
+</p:sld>
+</file>
+
+<file path=ppt/slides/slide6.xml><?xml version="1.0" encoding="utf-8"?>
+<p:sld xmlns:a="http://schemas.openxmlformats.org/drawingml/2006/main" xmlns:r="http://schemas.openxmlformats.org/officeDocument/2006/relationships" xmlns:p="http://schemas.openxmlformats.org/presentationml/2006/main">
+  <p:cSld>
+    <p:spTree>
+      <p:nvGrpSpPr>
+        <p:cNvPr id="1" name=""/>
+        <p:cNvGrpSpPr/>
+        <p:nvPr/>
+      </p:nvGrpSpPr>
+      <p:grpSpPr>
+        <a:xfrm>
+          <a:off x="0" y="0"/>
+          <a:ext cx="0" cy="0"/>
+          <a:chOff x="0" y="0"/>
+          <a:chExt cx="0" cy="0"/>
+        </a:xfrm>
+      </p:grpSpPr>
+      <p:graphicFrame>
+        <p:nvGraphicFramePr>
+          <p:cNvPr id="4" name="Content Placeholder 3"/>
+          <p:cNvGraphicFramePr>
+            <a:graphicFrameLocks noGrp="1"/>
+          </p:cNvGraphicFramePr>
+          <p:nvPr>
+            <p:ph idx="1"/>
+            <p:extLst>
+              <p:ext uri="{D42A27DB-BD31-4B8C-83A1-F6EECF244321}">
+                <p14:modId xmlns:p14="http://schemas.microsoft.com/office/powerpoint/2010/main" xmlns="" val="1483644448"/>
+              </p:ext>
+            </p:extLst>
+          </p:nvPr>
+        </p:nvGraphicFramePr>
+        <p:xfrm>
+          <a:off x="533400" y="1143000"/>
+          <a:ext cx="8229600" cy="1656080"/>
+        </p:xfrm>
+        <a:graphic>
+          <a:graphicData uri="http://schemas.openxmlformats.org/drawingml/2006/table">
+            <a:tbl>
+              <a:tblPr firstRow="1" bandRow="1">
+                <a:tableStyleId>{5C22544A-7EE6-4342-B048-85BDC9FD1C3A}</a:tableStyleId>
+              </a:tblPr>
+              <a:tblGrid>
+                <a:gridCol w="3200400"/>
+                <a:gridCol w="5029200"/>
+              </a:tblGrid>
+              <a:tr h="370840">
+                <a:tc>
+                  <a:txBody>
+                    <a:bodyPr/>
+                    <a:lstStyle/>
+                    <a:p>
+                      <a:r>
+                        <a:rPr lang="en-US" b="0" dirty="0" smtClean="0">
+                          <a:solidFill>
+                            <a:schemeClr val="bg1"/>
+                          </a:solidFill>
+                        </a:rPr>
+                        <a:t> RVM Requirement Number</a:t>
+                      </a:r>
+                      <a:endParaRPr lang="en-US" b="0" dirty="0">
+                        <a:solidFill>
+                          <a:schemeClr val="bg1"/>
+                        </a:solidFill>
+                      </a:endParaRPr>
+                    </a:p>
+                  </a:txBody>
+                  <a:tcPr anchor="ctr">
+                    <a:lnL w="12700" cap="flat" cmpd="sng" algn="ctr">
+                      <a:solidFill>
+                        <a:schemeClr val="tx1"/>
+                      </a:solidFill>
+                      <a:prstDash val="solid"/>
+                      <a:round/>
+                      <a:headEnd type="none" w="med" len="med"/>
+                      <a:tailEnd type="none" w="med" len="med"/>
+                    </a:lnL>
+                    <a:lnR w="12700" cap="flat" cmpd="sng" algn="ctr">
+                      <a:solidFill>
+                        <a:schemeClr val="tx1"/>
+                      </a:solidFill>
+                      <a:prstDash val="solid"/>
+                      <a:round/>
+                      <a:headEnd type="none" w="med" len="med"/>
+                      <a:tailEnd type="none" w="med" len="med"/>
+                    </a:lnR>
+                    <a:lnT w="12700" cap="flat" cmpd="sng" algn="ctr">
+                      <a:solidFill>
+                        <a:schemeClr val="tx1"/>
+                      </a:solidFill>
+                      <a:prstDash val="solid"/>
+                      <a:round/>
+                      <a:headEnd type="none" w="med" len="med"/>
+                      <a:tailEnd type="none" w="med" len="med"/>
+                    </a:lnT>
+                    <a:lnB w="12700" cap="flat" cmpd="sng" algn="ctr">
+                      <a:solidFill>
+                        <a:schemeClr val="tx1"/>
+                      </a:solidFill>
+                      <a:prstDash val="solid"/>
+                      <a:round/>
+                      <a:headEnd type="none" w="med" len="med"/>
+                      <a:tailEnd type="none" w="med" len="med"/>
+                    </a:lnB>
+                    <a:solidFill>
+                      <a:schemeClr val="tx2">
+                        <a:lumMod val="75000"/>
+                      </a:schemeClr>
+                    </a:solidFill>
+                  </a:tcPr>
+                </a:tc>
+                <a:tc>
+                  <a:txBody>
+                    <a:bodyPr/>
+                    <a:lstStyle/>
+                    <a:p>
+                      <a:r>
+                        <a:rPr lang="en-US" b="1" dirty="0" smtClean="0">
+                          <a:solidFill>
+                            <a:schemeClr val="tx1"/>
+                          </a:solidFill>
+                        </a:rPr>
+                        <a:t>RCL.SS.MOP3</a:t>
+                      </a:r>
+                      <a:endParaRPr lang="en-US" b="1" dirty="0">
+                        <a:solidFill>
+                          <a:schemeClr val="tx1"/>
+                        </a:solidFill>
+                      </a:endParaRPr>
+                    </a:p>
+                  </a:txBody>
+                  <a:tcPr>
+                    <a:lnL w="12700" cap="flat" cmpd="sng" algn="ctr">
+                      <a:solidFill>
+                        <a:schemeClr val="tx1"/>
+                      </a:solidFill>
+                      <a:prstDash val="solid"/>
+                      <a:round/>
+                      <a:headEnd type="none" w="med" len="med"/>
+                      <a:tailEnd type="none" w="med" len="med"/>
+                    </a:lnL>
+                    <a:lnR w="12700" cap="flat" cmpd="sng" algn="ctr">
+                      <a:solidFill>
+                        <a:schemeClr val="tx1"/>
+                      </a:solidFill>
+                      <a:prstDash val="solid"/>
+                      <a:round/>
+                      <a:headEnd type="none" w="med" len="med"/>
+                      <a:tailEnd type="none" w="med" len="med"/>
+                    </a:lnR>
+                    <a:lnT w="12700" cap="flat" cmpd="sng" algn="ctr">
+                      <a:solidFill>
+                        <a:schemeClr val="tx1"/>
+                      </a:solidFill>
+                      <a:prstDash val="solid"/>
+                      <a:round/>
+                      <a:headEnd type="none" w="med" len="med"/>
+                      <a:tailEnd type="none" w="med" len="med"/>
+                    </a:lnT>
+                    <a:lnB w="12700" cap="flat" cmpd="sng" algn="ctr">
+                      <a:solidFill>
+                        <a:schemeClr val="tx1"/>
+                      </a:solidFill>
+                      <a:prstDash val="solid"/>
+                      <a:round/>
+                      <a:headEnd type="none" w="med" len="med"/>
+                      <a:tailEnd type="none" w="med" len="med"/>
+                    </a:lnB>
+                    <a:solidFill>
+                      <a:schemeClr val="tx2">
+                        <a:lumMod val="40000"/>
+                        <a:lumOff val="60000"/>
+                      </a:schemeClr>
+                    </a:solidFill>
+                  </a:tcPr>
+                </a:tc>
+              </a:tr>
+              <a:tr h="370840">
+                <a:tc>
+                  <a:txBody>
+                    <a:bodyPr/>
+                    <a:lstStyle/>
+                    <a:p>
+                      <a:r>
+                        <a:rPr lang="en-US" b="0" dirty="0" smtClean="0">
+                          <a:solidFill>
+                            <a:schemeClr val="bg1"/>
+                          </a:solidFill>
+                        </a:rPr>
+                        <a:t>RVM </a:t>
+                      </a:r>
+                      <a:r>
+                        <a:rPr lang="en-US" b="0" baseline="0" dirty="0" smtClean="0">
+                          <a:solidFill>
+                            <a:schemeClr val="bg1"/>
+                          </a:solidFill>
+                        </a:rPr>
+                        <a:t>Requirement Wording</a:t>
+                      </a:r>
+                      <a:endParaRPr lang="en-US" b="0" dirty="0">
+                        <a:solidFill>
+                          <a:schemeClr val="bg1"/>
+                        </a:solidFill>
+                      </a:endParaRPr>
+                    </a:p>
+                  </a:txBody>
+                  <a:tcPr anchor="ctr">
+                    <a:lnL w="12700" cap="flat" cmpd="sng" algn="ctr">
+                      <a:solidFill>
+                        <a:schemeClr val="tx1"/>
+                      </a:solidFill>
+                      <a:prstDash val="solid"/>
+                      <a:round/>
+                      <a:headEnd type="none" w="med" len="med"/>
+                      <a:tailEnd type="none" w="med" len="med"/>
+                    </a:lnL>
+                    <a:lnR w="12700" cap="flat" cmpd="sng" algn="ctr">
+                      <a:solidFill>
+                        <a:schemeClr val="tx1"/>
+                      </a:solidFill>
+                      <a:prstDash val="solid"/>
+                      <a:round/>
+                      <a:headEnd type="none" w="med" len="med"/>
+                      <a:tailEnd type="none" w="med" len="med"/>
+                    </a:lnR>
+                    <a:lnT w="12700" cap="flat" cmpd="sng" algn="ctr">
+                      <a:solidFill>
+                        <a:schemeClr val="tx1"/>
+                      </a:solidFill>
+                      <a:prstDash val="solid"/>
+                      <a:round/>
+                      <a:headEnd type="none" w="med" len="med"/>
+                      <a:tailEnd type="none" w="med" len="med"/>
+                    </a:lnT>
+                    <a:lnB w="12700" cap="flat" cmpd="sng" algn="ctr">
+                      <a:solidFill>
+                        <a:schemeClr val="tx1"/>
+                      </a:solidFill>
+                      <a:prstDash val="solid"/>
+                      <a:round/>
+                      <a:headEnd type="none" w="med" len="med"/>
+                      <a:tailEnd type="none" w="med" len="med"/>
+                    </a:lnB>
+                    <a:solidFill>
+                      <a:schemeClr val="tx2">
+                        <a:lumMod val="75000"/>
+                      </a:schemeClr>
+                    </a:solidFill>
+                  </a:tcPr>
+                </a:tc>
+                <a:tc>
+                  <a:txBody>
+                    <a:bodyPr/>
+                    <a:lstStyle/>
+                    <a:p>
+                      <a:r>
+                        <a:rPr lang="en-US" b="1" i="1" dirty="0" smtClean="0">
+                          <a:solidFill>
+                            <a:schemeClr val="tx1"/>
+                          </a:solidFill>
+                        </a:rPr>
+                        <a:t>“Jade and Turquoise</a:t>
+                      </a:r>
+                      <a:r>
+                        <a:rPr lang="en-US" b="1" i="1" baseline="0" dirty="0" smtClean="0">
+                          <a:solidFill>
+                            <a:schemeClr val="tx1"/>
+                          </a:solidFill>
+                        </a:rPr>
+                        <a:t> Shall Record Relative Displacement Data Between Each Other at Least Once a Second</a:t>
+                      </a:r>
+                      <a:r>
+                        <a:rPr lang="en-US" b="1" i="1" dirty="0" smtClean="0">
+                          <a:solidFill>
+                            <a:schemeClr val="tx1"/>
+                          </a:solidFill>
+                        </a:rPr>
+                        <a:t>”</a:t>
+                      </a:r>
+                      <a:endParaRPr lang="en-US" b="1" i="1" dirty="0">
+                        <a:solidFill>
+                          <a:schemeClr val="tx1"/>
+                        </a:solidFill>
+                      </a:endParaRPr>
+                    </a:p>
+                  </a:txBody>
+                  <a:tcPr>
+                    <a:lnL w="12700" cap="flat" cmpd="sng" algn="ctr">
+                      <a:solidFill>
+                        <a:schemeClr val="tx1"/>
+                      </a:solidFill>
+                      <a:prstDash val="solid"/>
+                      <a:round/>
+                      <a:headEnd type="none" w="med" len="med"/>
+                      <a:tailEnd type="none" w="med" len="med"/>
+                    </a:lnL>
+                    <a:lnR w="12700" cap="flat" cmpd="sng" algn="ctr">
+                      <a:solidFill>
+                        <a:schemeClr val="tx1"/>
+                      </a:solidFill>
+                      <a:prstDash val="solid"/>
+                      <a:round/>
+                      <a:headEnd type="none" w="med" len="med"/>
+                      <a:tailEnd type="none" w="med" len="med"/>
+                    </a:lnR>
+                    <a:lnT w="12700" cap="flat" cmpd="sng" algn="ctr">
+                      <a:solidFill>
+                        <a:schemeClr val="tx1"/>
+                      </a:solidFill>
+                      <a:prstDash val="solid"/>
+                      <a:round/>
+                      <a:headEnd type="none" w="med" len="med"/>
+                      <a:tailEnd type="none" w="med" len="med"/>
+                    </a:lnT>
+                    <a:lnB w="12700" cap="flat" cmpd="sng" algn="ctr">
+                      <a:solidFill>
+                        <a:schemeClr val="tx1"/>
+                      </a:solidFill>
+                      <a:prstDash val="solid"/>
+                      <a:round/>
+                      <a:headEnd type="none" w="med" len="med"/>
+                      <a:tailEnd type="none" w="med" len="med"/>
+                    </a:lnB>
+                    <a:solidFill>
+                      <a:schemeClr val="tx2">
+                        <a:lumMod val="40000"/>
+                        <a:lumOff val="60000"/>
+                      </a:schemeClr>
+                    </a:solidFill>
+                  </a:tcPr>
+                </a:tc>
+              </a:tr>
+              <a:tr h="370840">
+                <a:tc>
+                  <a:txBody>
+                    <a:bodyPr/>
+                    <a:lstStyle/>
+                    <a:p>
+                      <a:r>
+                        <a:rPr lang="en-US" b="0" dirty="0" smtClean="0">
+                          <a:solidFill>
+                            <a:schemeClr val="bg1"/>
+                          </a:solidFill>
+                        </a:rPr>
+                        <a:t>Validation Method</a:t>
+                      </a:r>
+                      <a:endParaRPr lang="en-US" b="0" dirty="0">
+                        <a:solidFill>
+                          <a:schemeClr val="bg1"/>
+                        </a:solidFill>
+                      </a:endParaRPr>
+                    </a:p>
+                  </a:txBody>
+                  <a:tcPr anchor="ctr">
+                    <a:lnL w="12700" cap="flat" cmpd="sng" algn="ctr">
+                      <a:solidFill>
+                        <a:schemeClr val="tx1"/>
+                      </a:solidFill>
+                      <a:prstDash val="solid"/>
+                      <a:round/>
+                      <a:headEnd type="none" w="med" len="med"/>
+                      <a:tailEnd type="none" w="med" len="med"/>
+                    </a:lnL>
+                    <a:lnR w="12700" cap="flat" cmpd="sng" algn="ctr">
+                      <a:solidFill>
+                        <a:schemeClr val="tx1"/>
+                      </a:solidFill>
+                      <a:prstDash val="solid"/>
+                      <a:round/>
+                      <a:headEnd type="none" w="med" len="med"/>
+                      <a:tailEnd type="none" w="med" len="med"/>
+                    </a:lnR>
+                    <a:lnT w="12700" cap="flat" cmpd="sng" algn="ctr">
+                      <a:solidFill>
+                        <a:schemeClr val="tx1"/>
+                      </a:solidFill>
+                      <a:prstDash val="solid"/>
+                      <a:round/>
+                      <a:headEnd type="none" w="med" len="med"/>
+                      <a:tailEnd type="none" w="med" len="med"/>
+                    </a:lnT>
+                    <a:lnB w="12700" cap="flat" cmpd="sng" algn="ctr">
+                      <a:solidFill>
+                        <a:schemeClr val="tx1"/>
+                      </a:solidFill>
+                      <a:prstDash val="solid"/>
+                      <a:round/>
+                      <a:headEnd type="none" w="med" len="med"/>
+                      <a:tailEnd type="none" w="med" len="med"/>
+                    </a:lnB>
+                    <a:solidFill>
+                      <a:schemeClr val="tx2">
+                        <a:lumMod val="75000"/>
+                      </a:schemeClr>
+                    </a:solidFill>
+                  </a:tcPr>
+                </a:tc>
+                <a:tc>
+                  <a:txBody>
+                    <a:bodyPr/>
+                    <a:lstStyle/>
+                    <a:p>
+                      <a:r>
+                        <a:rPr lang="en-US" b="1" i="0" dirty="0" smtClean="0">
+                          <a:solidFill>
+                            <a:schemeClr val="tx1"/>
+                          </a:solidFill>
+                        </a:rPr>
+                        <a:t>Analyze</a:t>
+                      </a:r>
+                      <a:endParaRPr lang="en-US" b="1" i="0" dirty="0">
+                        <a:solidFill>
+                          <a:schemeClr val="tx1"/>
+                        </a:solidFill>
+                      </a:endParaRPr>
+                    </a:p>
+                  </a:txBody>
+                  <a:tcPr>
+                    <a:lnL w="12700" cap="flat" cmpd="sng" algn="ctr">
+                      <a:solidFill>
+                        <a:schemeClr val="tx1"/>
+                      </a:solidFill>
+                      <a:prstDash val="solid"/>
+                      <a:round/>
+                      <a:headEnd type="none" w="med" len="med"/>
+                      <a:tailEnd type="none" w="med" len="med"/>
+                    </a:lnL>
+                    <a:lnR w="12700" cap="flat" cmpd="sng" algn="ctr">
+                      <a:solidFill>
+                        <a:schemeClr val="tx1"/>
+                      </a:solidFill>
+                      <a:prstDash val="solid"/>
+                      <a:round/>
+                      <a:headEnd type="none" w="med" len="med"/>
+                      <a:tailEnd type="none" w="med" len="med"/>
+                    </a:lnR>
+                    <a:lnT w="12700" cap="flat" cmpd="sng" algn="ctr">
+                      <a:solidFill>
+                        <a:schemeClr val="tx1"/>
+                      </a:solidFill>
+                      <a:prstDash val="solid"/>
+                      <a:round/>
+                      <a:headEnd type="none" w="med" len="med"/>
+                      <a:tailEnd type="none" w="med" len="med"/>
+                    </a:lnT>
+                    <a:lnB w="12700" cap="flat" cmpd="sng" algn="ctr">
+                      <a:solidFill>
+                        <a:schemeClr val="tx1"/>
+                      </a:solidFill>
+                      <a:prstDash val="solid"/>
+                      <a:round/>
+                      <a:headEnd type="none" w="med" len="med"/>
+                      <a:tailEnd type="none" w="med" len="med"/>
+                    </a:lnB>
+                    <a:solidFill>
+                      <a:schemeClr val="tx2">
+                        <a:lumMod val="40000"/>
+                        <a:lumOff val="60000"/>
+                      </a:schemeClr>
+                    </a:solidFill>
+                  </a:tcPr>
+                </a:tc>
+              </a:tr>
+            </a:tbl>
+          </a:graphicData>
+        </a:graphic>
+      </p:graphicFrame>
+      <p:sp>
+        <p:nvSpPr>
+          <p:cNvPr id="5" name="TextBox 4"/>
+          <p:cNvSpPr txBox="1"/>
+          <p:nvPr/>
+        </p:nvSpPr>
+        <p:spPr>
+          <a:xfrm>
+            <a:off x="457200" y="2971800"/>
+            <a:ext cx="8305800" cy="1200329"/>
+          </a:xfrm>
+          <a:prstGeom prst="rect">
+            <a:avLst/>
+          </a:prstGeom>
+          <a:noFill/>
+        </p:spPr>
+        <p:txBody>
+          <a:bodyPr wrap="square" rtlCol="0">
+            <a:spAutoFit/>
+          </a:bodyPr>
+          <a:lstStyle/>
+          <a:p>
+            <a:pPr algn="just"/>
+            <a:r>
+              <a:rPr lang="en-US" sz="2400" b="1" dirty="0" smtClean="0"/>
+              <a:t>This requirement serves as a means to verifying other requirements associated with the completion Rascal’s primary mission</a:t>
+            </a:r>
+            <a:endParaRPr lang="en-US" sz="2400" b="1" dirty="0" smtClean="0"/>
           </a:p>
         </p:txBody>
       </p:sp>

--- a/CMQA/Presentations/Tom Slides/Tom Slides.pptx
+++ b/CMQA/Presentations/Tom Slides/Tom Slides.pptx
@@ -11,6 +11,9 @@
     <p:sldId id="260" r:id="rId5"/>
     <p:sldId id="261" r:id="rId6"/>
     <p:sldId id="262" r:id="rId7"/>
+    <p:sldId id="263" r:id="rId8"/>
+    <p:sldId id="264" r:id="rId9"/>
+    <p:sldId id="265" r:id="rId10"/>
   </p:sldIdLst>
   <p:sldSz cx="9144000" cy="6858000" type="screen4x3"/>
   <p:notesSz cx="6858000" cy="9144000"/>
@@ -6452,6 +6455,1593 @@
 </p:sld>
 </file>
 
+<file path=ppt/slides/slide7.xml><?xml version="1.0" encoding="utf-8"?>
+<p:sld xmlns:a="http://schemas.openxmlformats.org/drawingml/2006/main" xmlns:r="http://schemas.openxmlformats.org/officeDocument/2006/relationships" xmlns:p="http://schemas.openxmlformats.org/presentationml/2006/main">
+  <p:cSld>
+    <p:spTree>
+      <p:nvGrpSpPr>
+        <p:cNvPr id="1" name=""/>
+        <p:cNvGrpSpPr/>
+        <p:nvPr/>
+      </p:nvGrpSpPr>
+      <p:grpSpPr>
+        <a:xfrm>
+          <a:off x="0" y="0"/>
+          <a:ext cx="0" cy="0"/>
+          <a:chOff x="0" y="0"/>
+          <a:chExt cx="0" cy="0"/>
+        </a:xfrm>
+      </p:grpSpPr>
+      <p:graphicFrame>
+        <p:nvGraphicFramePr>
+          <p:cNvPr id="4" name="Content Placeholder 3"/>
+          <p:cNvGraphicFramePr>
+            <a:graphicFrameLocks noGrp="1"/>
+          </p:cNvGraphicFramePr>
+          <p:nvPr>
+            <p:ph idx="1"/>
+            <p:extLst>
+              <p:ext uri="{D42A27DB-BD31-4B8C-83A1-F6EECF244321}">
+                <p14:modId xmlns:p14="http://schemas.microsoft.com/office/powerpoint/2010/main" xmlns="" val="1483644448"/>
+              </p:ext>
+            </p:extLst>
+          </p:nvPr>
+        </p:nvGraphicFramePr>
+        <p:xfrm>
+          <a:off x="533400" y="1143000"/>
+          <a:ext cx="8229600" cy="1656080"/>
+        </p:xfrm>
+        <a:graphic>
+          <a:graphicData uri="http://schemas.openxmlformats.org/drawingml/2006/table">
+            <a:tbl>
+              <a:tblPr firstRow="1" bandRow="1">
+                <a:tableStyleId>{5C22544A-7EE6-4342-B048-85BDC9FD1C3A}</a:tableStyleId>
+              </a:tblPr>
+              <a:tblGrid>
+                <a:gridCol w="3200400"/>
+                <a:gridCol w="5029200"/>
+              </a:tblGrid>
+              <a:tr h="370840">
+                <a:tc>
+                  <a:txBody>
+                    <a:bodyPr/>
+                    <a:lstStyle/>
+                    <a:p>
+                      <a:r>
+                        <a:rPr lang="en-US" b="0" dirty="0" smtClean="0">
+                          <a:solidFill>
+                            <a:schemeClr val="bg1"/>
+                          </a:solidFill>
+                        </a:rPr>
+                        <a:t> RVM Requirement Number</a:t>
+                      </a:r>
+                      <a:endParaRPr lang="en-US" b="0" dirty="0">
+                        <a:solidFill>
+                          <a:schemeClr val="bg1"/>
+                        </a:solidFill>
+                      </a:endParaRPr>
+                    </a:p>
+                  </a:txBody>
+                  <a:tcPr anchor="ctr">
+                    <a:lnL w="12700" cap="flat" cmpd="sng" algn="ctr">
+                      <a:solidFill>
+                        <a:schemeClr val="tx1"/>
+                      </a:solidFill>
+                      <a:prstDash val="solid"/>
+                      <a:round/>
+                      <a:headEnd type="none" w="med" len="med"/>
+                      <a:tailEnd type="none" w="med" len="med"/>
+                    </a:lnL>
+                    <a:lnR w="12700" cap="flat" cmpd="sng" algn="ctr">
+                      <a:solidFill>
+                        <a:schemeClr val="tx1"/>
+                      </a:solidFill>
+                      <a:prstDash val="solid"/>
+                      <a:round/>
+                      <a:headEnd type="none" w="med" len="med"/>
+                      <a:tailEnd type="none" w="med" len="med"/>
+                    </a:lnR>
+                    <a:lnT w="12700" cap="flat" cmpd="sng" algn="ctr">
+                      <a:solidFill>
+                        <a:schemeClr val="tx1"/>
+                      </a:solidFill>
+                      <a:prstDash val="solid"/>
+                      <a:round/>
+                      <a:headEnd type="none" w="med" len="med"/>
+                      <a:tailEnd type="none" w="med" len="med"/>
+                    </a:lnT>
+                    <a:lnB w="12700" cap="flat" cmpd="sng" algn="ctr">
+                      <a:solidFill>
+                        <a:schemeClr val="tx1"/>
+                      </a:solidFill>
+                      <a:prstDash val="solid"/>
+                      <a:round/>
+                      <a:headEnd type="none" w="med" len="med"/>
+                      <a:tailEnd type="none" w="med" len="med"/>
+                    </a:lnB>
+                    <a:solidFill>
+                      <a:schemeClr val="tx2">
+                        <a:lumMod val="75000"/>
+                      </a:schemeClr>
+                    </a:solidFill>
+                  </a:tcPr>
+                </a:tc>
+                <a:tc>
+                  <a:txBody>
+                    <a:bodyPr/>
+                    <a:lstStyle/>
+                    <a:p>
+                      <a:r>
+                        <a:rPr lang="en-US" b="1" dirty="0" smtClean="0">
+                          <a:solidFill>
+                            <a:schemeClr val="tx1"/>
+                          </a:solidFill>
+                        </a:rPr>
+                        <a:t>RCL.SK.MOP1</a:t>
+                      </a:r>
+                      <a:endParaRPr lang="en-US" b="1" dirty="0">
+                        <a:solidFill>
+                          <a:schemeClr val="tx1"/>
+                        </a:solidFill>
+                      </a:endParaRPr>
+                    </a:p>
+                  </a:txBody>
+                  <a:tcPr>
+                    <a:lnL w="12700" cap="flat" cmpd="sng" algn="ctr">
+                      <a:solidFill>
+                        <a:schemeClr val="tx1"/>
+                      </a:solidFill>
+                      <a:prstDash val="solid"/>
+                      <a:round/>
+                      <a:headEnd type="none" w="med" len="med"/>
+                      <a:tailEnd type="none" w="med" len="med"/>
+                    </a:lnL>
+                    <a:lnR w="12700" cap="flat" cmpd="sng" algn="ctr">
+                      <a:solidFill>
+                        <a:schemeClr val="tx1"/>
+                      </a:solidFill>
+                      <a:prstDash val="solid"/>
+                      <a:round/>
+                      <a:headEnd type="none" w="med" len="med"/>
+                      <a:tailEnd type="none" w="med" len="med"/>
+                    </a:lnR>
+                    <a:lnT w="12700" cap="flat" cmpd="sng" algn="ctr">
+                      <a:solidFill>
+                        <a:schemeClr val="tx1"/>
+                      </a:solidFill>
+                      <a:prstDash val="solid"/>
+                      <a:round/>
+                      <a:headEnd type="none" w="med" len="med"/>
+                      <a:tailEnd type="none" w="med" len="med"/>
+                    </a:lnT>
+                    <a:lnB w="12700" cap="flat" cmpd="sng" algn="ctr">
+                      <a:solidFill>
+                        <a:schemeClr val="tx1"/>
+                      </a:solidFill>
+                      <a:prstDash val="solid"/>
+                      <a:round/>
+                      <a:headEnd type="none" w="med" len="med"/>
+                      <a:tailEnd type="none" w="med" len="med"/>
+                    </a:lnB>
+                    <a:solidFill>
+                      <a:schemeClr val="tx2">
+                        <a:lumMod val="40000"/>
+                        <a:lumOff val="60000"/>
+                      </a:schemeClr>
+                    </a:solidFill>
+                  </a:tcPr>
+                </a:tc>
+              </a:tr>
+              <a:tr h="370840">
+                <a:tc>
+                  <a:txBody>
+                    <a:bodyPr/>
+                    <a:lstStyle/>
+                    <a:p>
+                      <a:r>
+                        <a:rPr lang="en-US" b="0" dirty="0" smtClean="0">
+                          <a:solidFill>
+                            <a:schemeClr val="bg1"/>
+                          </a:solidFill>
+                        </a:rPr>
+                        <a:t>RVM </a:t>
+                      </a:r>
+                      <a:r>
+                        <a:rPr lang="en-US" b="0" baseline="0" dirty="0" smtClean="0">
+                          <a:solidFill>
+                            <a:schemeClr val="bg1"/>
+                          </a:solidFill>
+                        </a:rPr>
+                        <a:t>Requirement Wording</a:t>
+                      </a:r>
+                      <a:endParaRPr lang="en-US" b="0" dirty="0">
+                        <a:solidFill>
+                          <a:schemeClr val="bg1"/>
+                        </a:solidFill>
+                      </a:endParaRPr>
+                    </a:p>
+                  </a:txBody>
+                  <a:tcPr anchor="ctr">
+                    <a:lnL w="12700" cap="flat" cmpd="sng" algn="ctr">
+                      <a:solidFill>
+                        <a:schemeClr val="tx1"/>
+                      </a:solidFill>
+                      <a:prstDash val="solid"/>
+                      <a:round/>
+                      <a:headEnd type="none" w="med" len="med"/>
+                      <a:tailEnd type="none" w="med" len="med"/>
+                    </a:lnL>
+                    <a:lnR w="12700" cap="flat" cmpd="sng" algn="ctr">
+                      <a:solidFill>
+                        <a:schemeClr val="tx1"/>
+                      </a:solidFill>
+                      <a:prstDash val="solid"/>
+                      <a:round/>
+                      <a:headEnd type="none" w="med" len="med"/>
+                      <a:tailEnd type="none" w="med" len="med"/>
+                    </a:lnR>
+                    <a:lnT w="12700" cap="flat" cmpd="sng" algn="ctr">
+                      <a:solidFill>
+                        <a:schemeClr val="tx1"/>
+                      </a:solidFill>
+                      <a:prstDash val="solid"/>
+                      <a:round/>
+                      <a:headEnd type="none" w="med" len="med"/>
+                      <a:tailEnd type="none" w="med" len="med"/>
+                    </a:lnT>
+                    <a:lnB w="12700" cap="flat" cmpd="sng" algn="ctr">
+                      <a:solidFill>
+                        <a:schemeClr val="tx1"/>
+                      </a:solidFill>
+                      <a:prstDash val="solid"/>
+                      <a:round/>
+                      <a:headEnd type="none" w="med" len="med"/>
+                      <a:tailEnd type="none" w="med" len="med"/>
+                    </a:lnB>
+                    <a:solidFill>
+                      <a:schemeClr val="tx2">
+                        <a:lumMod val="75000"/>
+                      </a:schemeClr>
+                    </a:solidFill>
+                  </a:tcPr>
+                </a:tc>
+                <a:tc>
+                  <a:txBody>
+                    <a:bodyPr/>
+                    <a:lstStyle/>
+                    <a:p>
+                      <a:r>
+                        <a:rPr lang="en-US" b="1" i="1" dirty="0" smtClean="0">
+                          <a:solidFill>
+                            <a:schemeClr val="tx1"/>
+                          </a:solidFill>
+                        </a:rPr>
+                        <a:t>“Jade and Turquoise Shall</a:t>
+                      </a:r>
+                      <a:r>
+                        <a:rPr lang="en-US" b="1" i="1" baseline="0" dirty="0" smtClean="0">
+                          <a:solidFill>
+                            <a:schemeClr val="tx1"/>
+                          </a:solidFill>
+                        </a:rPr>
+                        <a:t> be Able to Stationkeep within a 10-75 meter Sphere of Each Other for at Least 5 Orbits</a:t>
+                      </a:r>
+                      <a:r>
+                        <a:rPr lang="en-US" b="1" i="1" dirty="0" smtClean="0">
+                          <a:solidFill>
+                            <a:schemeClr val="tx1"/>
+                          </a:solidFill>
+                        </a:rPr>
+                        <a:t>”</a:t>
+                      </a:r>
+                      <a:endParaRPr lang="en-US" b="1" i="1" dirty="0">
+                        <a:solidFill>
+                          <a:schemeClr val="tx1"/>
+                        </a:solidFill>
+                      </a:endParaRPr>
+                    </a:p>
+                  </a:txBody>
+                  <a:tcPr>
+                    <a:lnL w="12700" cap="flat" cmpd="sng" algn="ctr">
+                      <a:solidFill>
+                        <a:schemeClr val="tx1"/>
+                      </a:solidFill>
+                      <a:prstDash val="solid"/>
+                      <a:round/>
+                      <a:headEnd type="none" w="med" len="med"/>
+                      <a:tailEnd type="none" w="med" len="med"/>
+                    </a:lnL>
+                    <a:lnR w="12700" cap="flat" cmpd="sng" algn="ctr">
+                      <a:solidFill>
+                        <a:schemeClr val="tx1"/>
+                      </a:solidFill>
+                      <a:prstDash val="solid"/>
+                      <a:round/>
+                      <a:headEnd type="none" w="med" len="med"/>
+                      <a:tailEnd type="none" w="med" len="med"/>
+                    </a:lnR>
+                    <a:lnT w="12700" cap="flat" cmpd="sng" algn="ctr">
+                      <a:solidFill>
+                        <a:schemeClr val="tx1"/>
+                      </a:solidFill>
+                      <a:prstDash val="solid"/>
+                      <a:round/>
+                      <a:headEnd type="none" w="med" len="med"/>
+                      <a:tailEnd type="none" w="med" len="med"/>
+                    </a:lnT>
+                    <a:lnB w="12700" cap="flat" cmpd="sng" algn="ctr">
+                      <a:solidFill>
+                        <a:schemeClr val="tx1"/>
+                      </a:solidFill>
+                      <a:prstDash val="solid"/>
+                      <a:round/>
+                      <a:headEnd type="none" w="med" len="med"/>
+                      <a:tailEnd type="none" w="med" len="med"/>
+                    </a:lnB>
+                    <a:solidFill>
+                      <a:schemeClr val="tx2">
+                        <a:lumMod val="40000"/>
+                        <a:lumOff val="60000"/>
+                      </a:schemeClr>
+                    </a:solidFill>
+                  </a:tcPr>
+                </a:tc>
+              </a:tr>
+              <a:tr h="370840">
+                <a:tc>
+                  <a:txBody>
+                    <a:bodyPr/>
+                    <a:lstStyle/>
+                    <a:p>
+                      <a:r>
+                        <a:rPr lang="en-US" b="0" dirty="0" smtClean="0">
+                          <a:solidFill>
+                            <a:schemeClr val="bg1"/>
+                          </a:solidFill>
+                        </a:rPr>
+                        <a:t>Validation Method</a:t>
+                      </a:r>
+                      <a:endParaRPr lang="en-US" b="0" dirty="0">
+                        <a:solidFill>
+                          <a:schemeClr val="bg1"/>
+                        </a:solidFill>
+                      </a:endParaRPr>
+                    </a:p>
+                  </a:txBody>
+                  <a:tcPr anchor="ctr">
+                    <a:lnL w="12700" cap="flat" cmpd="sng" algn="ctr">
+                      <a:solidFill>
+                        <a:schemeClr val="tx1"/>
+                      </a:solidFill>
+                      <a:prstDash val="solid"/>
+                      <a:round/>
+                      <a:headEnd type="none" w="med" len="med"/>
+                      <a:tailEnd type="none" w="med" len="med"/>
+                    </a:lnL>
+                    <a:lnR w="12700" cap="flat" cmpd="sng" algn="ctr">
+                      <a:solidFill>
+                        <a:schemeClr val="tx1"/>
+                      </a:solidFill>
+                      <a:prstDash val="solid"/>
+                      <a:round/>
+                      <a:headEnd type="none" w="med" len="med"/>
+                      <a:tailEnd type="none" w="med" len="med"/>
+                    </a:lnR>
+                    <a:lnT w="12700" cap="flat" cmpd="sng" algn="ctr">
+                      <a:solidFill>
+                        <a:schemeClr val="tx1"/>
+                      </a:solidFill>
+                      <a:prstDash val="solid"/>
+                      <a:round/>
+                      <a:headEnd type="none" w="med" len="med"/>
+                      <a:tailEnd type="none" w="med" len="med"/>
+                    </a:lnT>
+                    <a:lnB w="12700" cap="flat" cmpd="sng" algn="ctr">
+                      <a:solidFill>
+                        <a:schemeClr val="tx1"/>
+                      </a:solidFill>
+                      <a:prstDash val="solid"/>
+                      <a:round/>
+                      <a:headEnd type="none" w="med" len="med"/>
+                      <a:tailEnd type="none" w="med" len="med"/>
+                    </a:lnB>
+                    <a:solidFill>
+                      <a:schemeClr val="tx2">
+                        <a:lumMod val="75000"/>
+                      </a:schemeClr>
+                    </a:solidFill>
+                  </a:tcPr>
+                </a:tc>
+                <a:tc>
+                  <a:txBody>
+                    <a:bodyPr/>
+                    <a:lstStyle/>
+                    <a:p>
+                      <a:r>
+                        <a:rPr lang="en-US" b="1" i="0" dirty="0" smtClean="0">
+                          <a:solidFill>
+                            <a:schemeClr val="tx1"/>
+                          </a:solidFill>
+                        </a:rPr>
+                        <a:t>Analyze</a:t>
+                      </a:r>
+                      <a:endParaRPr lang="en-US" b="1" i="0" dirty="0">
+                        <a:solidFill>
+                          <a:schemeClr val="tx1"/>
+                        </a:solidFill>
+                      </a:endParaRPr>
+                    </a:p>
+                  </a:txBody>
+                  <a:tcPr>
+                    <a:lnL w="12700" cap="flat" cmpd="sng" algn="ctr">
+                      <a:solidFill>
+                        <a:schemeClr val="tx1"/>
+                      </a:solidFill>
+                      <a:prstDash val="solid"/>
+                      <a:round/>
+                      <a:headEnd type="none" w="med" len="med"/>
+                      <a:tailEnd type="none" w="med" len="med"/>
+                    </a:lnL>
+                    <a:lnR w="12700" cap="flat" cmpd="sng" algn="ctr">
+                      <a:solidFill>
+                        <a:schemeClr val="tx1"/>
+                      </a:solidFill>
+                      <a:prstDash val="solid"/>
+                      <a:round/>
+                      <a:headEnd type="none" w="med" len="med"/>
+                      <a:tailEnd type="none" w="med" len="med"/>
+                    </a:lnR>
+                    <a:lnT w="12700" cap="flat" cmpd="sng" algn="ctr">
+                      <a:solidFill>
+                        <a:schemeClr val="tx1"/>
+                      </a:solidFill>
+                      <a:prstDash val="solid"/>
+                      <a:round/>
+                      <a:headEnd type="none" w="med" len="med"/>
+                      <a:tailEnd type="none" w="med" len="med"/>
+                    </a:lnT>
+                    <a:lnB w="12700" cap="flat" cmpd="sng" algn="ctr">
+                      <a:solidFill>
+                        <a:schemeClr val="tx1"/>
+                      </a:solidFill>
+                      <a:prstDash val="solid"/>
+                      <a:round/>
+                      <a:headEnd type="none" w="med" len="med"/>
+                      <a:tailEnd type="none" w="med" len="med"/>
+                    </a:lnB>
+                    <a:solidFill>
+                      <a:schemeClr val="tx2">
+                        <a:lumMod val="40000"/>
+                        <a:lumOff val="60000"/>
+                      </a:schemeClr>
+                    </a:solidFill>
+                  </a:tcPr>
+                </a:tc>
+              </a:tr>
+            </a:tbl>
+          </a:graphicData>
+        </a:graphic>
+      </p:graphicFrame>
+      <p:sp>
+        <p:nvSpPr>
+          <p:cNvPr id="5" name="TextBox 4"/>
+          <p:cNvSpPr txBox="1"/>
+          <p:nvPr/>
+        </p:nvSpPr>
+        <p:spPr>
+          <a:xfrm>
+            <a:off x="457200" y="2971800"/>
+            <a:ext cx="8305800" cy="2677656"/>
+          </a:xfrm>
+          <a:prstGeom prst="rect">
+            <a:avLst/>
+          </a:prstGeom>
+          <a:noFill/>
+        </p:spPr>
+        <p:txBody>
+          <a:bodyPr wrap="square" rtlCol="0">
+            <a:spAutoFit/>
+          </a:bodyPr>
+          <a:lstStyle/>
+          <a:p>
+            <a:pPr algn="just"/>
+            <a:r>
+              <a:rPr lang="en-US" sz="2400" b="1" dirty="0" smtClean="0"/>
+              <a:t>This requirement comes directly from the Team Bravo RFP and is a key factor in meeting the mission success criteria of the proposed mission</a:t>
+            </a:r>
+          </a:p>
+          <a:p>
+            <a:pPr algn="just"/>
+            <a:endParaRPr lang="en-US" sz="2400" b="1" dirty="0" smtClean="0"/>
+          </a:p>
+          <a:p>
+            <a:pPr algn="just"/>
+            <a:r>
+              <a:rPr lang="en-US" sz="2400" b="1" dirty="0" smtClean="0"/>
+              <a:t>The process will be initiated by a command from the ground, at which time it would be executed autonomously and validated based on relative displacement data obtained after the fact</a:t>
+            </a:r>
+            <a:endParaRPr lang="en-US" sz="2400" b="1" dirty="0" smtClean="0"/>
+          </a:p>
+        </p:txBody>
+      </p:sp>
+    </p:spTree>
+    <p:extLst>
+      <p:ext uri="{BB962C8B-B14F-4D97-AF65-F5344CB8AC3E}">
+        <p14:creationId xmlns:p14="http://schemas.microsoft.com/office/powerpoint/2010/main" xmlns="" val="2711901525"/>
+      </p:ext>
+    </p:extLst>
+  </p:cSld>
+  <p:clrMapOvr>
+    <a:masterClrMapping/>
+  </p:clrMapOvr>
+  <p:timing>
+    <p:tnLst>
+      <p:par>
+        <p:cTn id="1" dur="indefinite" restart="never" nodeType="tmRoot"/>
+      </p:par>
+    </p:tnLst>
+  </p:timing>
+</p:sld>
+</file>
+
+<file path=ppt/slides/slide8.xml><?xml version="1.0" encoding="utf-8"?>
+<p:sld xmlns:a="http://schemas.openxmlformats.org/drawingml/2006/main" xmlns:r="http://schemas.openxmlformats.org/officeDocument/2006/relationships" xmlns:p="http://schemas.openxmlformats.org/presentationml/2006/main">
+  <p:cSld>
+    <p:spTree>
+      <p:nvGrpSpPr>
+        <p:cNvPr id="1" name=""/>
+        <p:cNvGrpSpPr/>
+        <p:nvPr/>
+      </p:nvGrpSpPr>
+      <p:grpSpPr>
+        <a:xfrm>
+          <a:off x="0" y="0"/>
+          <a:ext cx="0" cy="0"/>
+          <a:chOff x="0" y="0"/>
+          <a:chExt cx="0" cy="0"/>
+        </a:xfrm>
+      </p:grpSpPr>
+      <p:graphicFrame>
+        <p:nvGraphicFramePr>
+          <p:cNvPr id="4" name="Content Placeholder 3"/>
+          <p:cNvGraphicFramePr>
+            <a:graphicFrameLocks noGrp="1"/>
+          </p:cNvGraphicFramePr>
+          <p:nvPr>
+            <p:ph idx="1"/>
+            <p:extLst>
+              <p:ext uri="{D42A27DB-BD31-4B8C-83A1-F6EECF244321}">
+                <p14:modId xmlns:p14="http://schemas.microsoft.com/office/powerpoint/2010/main" xmlns="" val="1483644448"/>
+              </p:ext>
+            </p:extLst>
+          </p:nvPr>
+        </p:nvGraphicFramePr>
+        <p:xfrm>
+          <a:off x="533400" y="1143000"/>
+          <a:ext cx="8229600" cy="1930400"/>
+        </p:xfrm>
+        <a:graphic>
+          <a:graphicData uri="http://schemas.openxmlformats.org/drawingml/2006/table">
+            <a:tbl>
+              <a:tblPr firstRow="1" bandRow="1">
+                <a:tableStyleId>{5C22544A-7EE6-4342-B048-85BDC9FD1C3A}</a:tableStyleId>
+              </a:tblPr>
+              <a:tblGrid>
+                <a:gridCol w="3200400"/>
+                <a:gridCol w="5029200"/>
+              </a:tblGrid>
+              <a:tr h="370840">
+                <a:tc>
+                  <a:txBody>
+                    <a:bodyPr/>
+                    <a:lstStyle/>
+                    <a:p>
+                      <a:r>
+                        <a:rPr lang="en-US" b="0" dirty="0" smtClean="0">
+                          <a:solidFill>
+                            <a:schemeClr val="bg1"/>
+                          </a:solidFill>
+                        </a:rPr>
+                        <a:t> RVM Requirement Number</a:t>
+                      </a:r>
+                      <a:endParaRPr lang="en-US" b="0" dirty="0">
+                        <a:solidFill>
+                          <a:schemeClr val="bg1"/>
+                        </a:solidFill>
+                      </a:endParaRPr>
+                    </a:p>
+                  </a:txBody>
+                  <a:tcPr anchor="ctr">
+                    <a:lnL w="12700" cap="flat" cmpd="sng" algn="ctr">
+                      <a:solidFill>
+                        <a:schemeClr val="tx1"/>
+                      </a:solidFill>
+                      <a:prstDash val="solid"/>
+                      <a:round/>
+                      <a:headEnd type="none" w="med" len="med"/>
+                      <a:tailEnd type="none" w="med" len="med"/>
+                    </a:lnL>
+                    <a:lnR w="12700" cap="flat" cmpd="sng" algn="ctr">
+                      <a:solidFill>
+                        <a:schemeClr val="tx1"/>
+                      </a:solidFill>
+                      <a:prstDash val="solid"/>
+                      <a:round/>
+                      <a:headEnd type="none" w="med" len="med"/>
+                      <a:tailEnd type="none" w="med" len="med"/>
+                    </a:lnR>
+                    <a:lnT w="12700" cap="flat" cmpd="sng" algn="ctr">
+                      <a:solidFill>
+                        <a:schemeClr val="tx1"/>
+                      </a:solidFill>
+                      <a:prstDash val="solid"/>
+                      <a:round/>
+                      <a:headEnd type="none" w="med" len="med"/>
+                      <a:tailEnd type="none" w="med" len="med"/>
+                    </a:lnT>
+                    <a:lnB w="12700" cap="flat" cmpd="sng" algn="ctr">
+                      <a:solidFill>
+                        <a:schemeClr val="tx1"/>
+                      </a:solidFill>
+                      <a:prstDash val="solid"/>
+                      <a:round/>
+                      <a:headEnd type="none" w="med" len="med"/>
+                      <a:tailEnd type="none" w="med" len="med"/>
+                    </a:lnB>
+                    <a:solidFill>
+                      <a:schemeClr val="tx2">
+                        <a:lumMod val="75000"/>
+                      </a:schemeClr>
+                    </a:solidFill>
+                  </a:tcPr>
+                </a:tc>
+                <a:tc>
+                  <a:txBody>
+                    <a:bodyPr/>
+                    <a:lstStyle/>
+                    <a:p>
+                      <a:r>
+                        <a:rPr lang="en-US" b="1" dirty="0" smtClean="0">
+                          <a:solidFill>
+                            <a:schemeClr val="tx1"/>
+                          </a:solidFill>
+                        </a:rPr>
+                        <a:t>RCL.ESC.MOP1</a:t>
+                      </a:r>
+                      <a:endParaRPr lang="en-US" b="1" dirty="0">
+                        <a:solidFill>
+                          <a:schemeClr val="tx1"/>
+                        </a:solidFill>
+                      </a:endParaRPr>
+                    </a:p>
+                  </a:txBody>
+                  <a:tcPr>
+                    <a:lnL w="12700" cap="flat" cmpd="sng" algn="ctr">
+                      <a:solidFill>
+                        <a:schemeClr val="tx1"/>
+                      </a:solidFill>
+                      <a:prstDash val="solid"/>
+                      <a:round/>
+                      <a:headEnd type="none" w="med" len="med"/>
+                      <a:tailEnd type="none" w="med" len="med"/>
+                    </a:lnL>
+                    <a:lnR w="12700" cap="flat" cmpd="sng" algn="ctr">
+                      <a:solidFill>
+                        <a:schemeClr val="tx1"/>
+                      </a:solidFill>
+                      <a:prstDash val="solid"/>
+                      <a:round/>
+                      <a:headEnd type="none" w="med" len="med"/>
+                      <a:tailEnd type="none" w="med" len="med"/>
+                    </a:lnR>
+                    <a:lnT w="12700" cap="flat" cmpd="sng" algn="ctr">
+                      <a:solidFill>
+                        <a:schemeClr val="tx1"/>
+                      </a:solidFill>
+                      <a:prstDash val="solid"/>
+                      <a:round/>
+                      <a:headEnd type="none" w="med" len="med"/>
+                      <a:tailEnd type="none" w="med" len="med"/>
+                    </a:lnT>
+                    <a:lnB w="12700" cap="flat" cmpd="sng" algn="ctr">
+                      <a:solidFill>
+                        <a:schemeClr val="tx1"/>
+                      </a:solidFill>
+                      <a:prstDash val="solid"/>
+                      <a:round/>
+                      <a:headEnd type="none" w="med" len="med"/>
+                      <a:tailEnd type="none" w="med" len="med"/>
+                    </a:lnB>
+                    <a:solidFill>
+                      <a:schemeClr val="tx2">
+                        <a:lumMod val="40000"/>
+                        <a:lumOff val="60000"/>
+                      </a:schemeClr>
+                    </a:solidFill>
+                  </a:tcPr>
+                </a:tc>
+              </a:tr>
+              <a:tr h="370840">
+                <a:tc>
+                  <a:txBody>
+                    <a:bodyPr/>
+                    <a:lstStyle/>
+                    <a:p>
+                      <a:r>
+                        <a:rPr lang="en-US" b="0" dirty="0" smtClean="0">
+                          <a:solidFill>
+                            <a:schemeClr val="bg1"/>
+                          </a:solidFill>
+                        </a:rPr>
+                        <a:t>RVM </a:t>
+                      </a:r>
+                      <a:r>
+                        <a:rPr lang="en-US" b="0" baseline="0" dirty="0" smtClean="0">
+                          <a:solidFill>
+                            <a:schemeClr val="bg1"/>
+                          </a:solidFill>
+                        </a:rPr>
+                        <a:t>Requirement Wording</a:t>
+                      </a:r>
+                      <a:endParaRPr lang="en-US" b="0" dirty="0">
+                        <a:solidFill>
+                          <a:schemeClr val="bg1"/>
+                        </a:solidFill>
+                      </a:endParaRPr>
+                    </a:p>
+                  </a:txBody>
+                  <a:tcPr anchor="ctr">
+                    <a:lnL w="12700" cap="flat" cmpd="sng" algn="ctr">
+                      <a:solidFill>
+                        <a:schemeClr val="tx1"/>
+                      </a:solidFill>
+                      <a:prstDash val="solid"/>
+                      <a:round/>
+                      <a:headEnd type="none" w="med" len="med"/>
+                      <a:tailEnd type="none" w="med" len="med"/>
+                    </a:lnL>
+                    <a:lnR w="12700" cap="flat" cmpd="sng" algn="ctr">
+                      <a:solidFill>
+                        <a:schemeClr val="tx1"/>
+                      </a:solidFill>
+                      <a:prstDash val="solid"/>
+                      <a:round/>
+                      <a:headEnd type="none" w="med" len="med"/>
+                      <a:tailEnd type="none" w="med" len="med"/>
+                    </a:lnR>
+                    <a:lnT w="12700" cap="flat" cmpd="sng" algn="ctr">
+                      <a:solidFill>
+                        <a:schemeClr val="tx1"/>
+                      </a:solidFill>
+                      <a:prstDash val="solid"/>
+                      <a:round/>
+                      <a:headEnd type="none" w="med" len="med"/>
+                      <a:tailEnd type="none" w="med" len="med"/>
+                    </a:lnT>
+                    <a:lnB w="12700" cap="flat" cmpd="sng" algn="ctr">
+                      <a:solidFill>
+                        <a:schemeClr val="tx1"/>
+                      </a:solidFill>
+                      <a:prstDash val="solid"/>
+                      <a:round/>
+                      <a:headEnd type="none" w="med" len="med"/>
+                      <a:tailEnd type="none" w="med" len="med"/>
+                    </a:lnB>
+                    <a:solidFill>
+                      <a:schemeClr val="tx2">
+                        <a:lumMod val="75000"/>
+                      </a:schemeClr>
+                    </a:solidFill>
+                  </a:tcPr>
+                </a:tc>
+                <a:tc>
+                  <a:txBody>
+                    <a:bodyPr/>
+                    <a:lstStyle/>
+                    <a:p>
+                      <a:r>
+                        <a:rPr lang="en-US" b="1" i="1" dirty="0" smtClean="0">
+                          <a:solidFill>
+                            <a:schemeClr val="tx1"/>
+                          </a:solidFill>
+                        </a:rPr>
+                        <a:t>“Jade and Turquoise Shall</a:t>
+                      </a:r>
+                      <a:r>
+                        <a:rPr lang="en-US" b="1" i="1" baseline="0" dirty="0" smtClean="0">
+                          <a:solidFill>
+                            <a:schemeClr val="tx1"/>
+                          </a:solidFill>
+                        </a:rPr>
+                        <a:t> be Able to Perform an “Escape” Maneuver that Increases the Relative Displacement Between Each Other to at Least 100 meters within 1 Orbit </a:t>
+                      </a:r>
+                      <a:r>
+                        <a:rPr lang="en-US" b="1" i="1" dirty="0" smtClean="0">
+                          <a:solidFill>
+                            <a:schemeClr val="tx1"/>
+                          </a:solidFill>
+                        </a:rPr>
+                        <a:t>”</a:t>
+                      </a:r>
+                      <a:endParaRPr lang="en-US" b="1" i="1" dirty="0">
+                        <a:solidFill>
+                          <a:schemeClr val="tx1"/>
+                        </a:solidFill>
+                      </a:endParaRPr>
+                    </a:p>
+                  </a:txBody>
+                  <a:tcPr>
+                    <a:lnL w="12700" cap="flat" cmpd="sng" algn="ctr">
+                      <a:solidFill>
+                        <a:schemeClr val="tx1"/>
+                      </a:solidFill>
+                      <a:prstDash val="solid"/>
+                      <a:round/>
+                      <a:headEnd type="none" w="med" len="med"/>
+                      <a:tailEnd type="none" w="med" len="med"/>
+                    </a:lnL>
+                    <a:lnR w="12700" cap="flat" cmpd="sng" algn="ctr">
+                      <a:solidFill>
+                        <a:schemeClr val="tx1"/>
+                      </a:solidFill>
+                      <a:prstDash val="solid"/>
+                      <a:round/>
+                      <a:headEnd type="none" w="med" len="med"/>
+                      <a:tailEnd type="none" w="med" len="med"/>
+                    </a:lnR>
+                    <a:lnT w="12700" cap="flat" cmpd="sng" algn="ctr">
+                      <a:solidFill>
+                        <a:schemeClr val="tx1"/>
+                      </a:solidFill>
+                      <a:prstDash val="solid"/>
+                      <a:round/>
+                      <a:headEnd type="none" w="med" len="med"/>
+                      <a:tailEnd type="none" w="med" len="med"/>
+                    </a:lnT>
+                    <a:lnB w="12700" cap="flat" cmpd="sng" algn="ctr">
+                      <a:solidFill>
+                        <a:schemeClr val="tx1"/>
+                      </a:solidFill>
+                      <a:prstDash val="solid"/>
+                      <a:round/>
+                      <a:headEnd type="none" w="med" len="med"/>
+                      <a:tailEnd type="none" w="med" len="med"/>
+                    </a:lnB>
+                    <a:solidFill>
+                      <a:schemeClr val="tx2">
+                        <a:lumMod val="40000"/>
+                        <a:lumOff val="60000"/>
+                      </a:schemeClr>
+                    </a:solidFill>
+                  </a:tcPr>
+                </a:tc>
+              </a:tr>
+              <a:tr h="370840">
+                <a:tc>
+                  <a:txBody>
+                    <a:bodyPr/>
+                    <a:lstStyle/>
+                    <a:p>
+                      <a:r>
+                        <a:rPr lang="en-US" b="0" dirty="0" smtClean="0">
+                          <a:solidFill>
+                            <a:schemeClr val="bg1"/>
+                          </a:solidFill>
+                        </a:rPr>
+                        <a:t>Validation Method</a:t>
+                      </a:r>
+                      <a:endParaRPr lang="en-US" b="0" dirty="0">
+                        <a:solidFill>
+                          <a:schemeClr val="bg1"/>
+                        </a:solidFill>
+                      </a:endParaRPr>
+                    </a:p>
+                  </a:txBody>
+                  <a:tcPr anchor="ctr">
+                    <a:lnL w="12700" cap="flat" cmpd="sng" algn="ctr">
+                      <a:solidFill>
+                        <a:schemeClr val="tx1"/>
+                      </a:solidFill>
+                      <a:prstDash val="solid"/>
+                      <a:round/>
+                      <a:headEnd type="none" w="med" len="med"/>
+                      <a:tailEnd type="none" w="med" len="med"/>
+                    </a:lnL>
+                    <a:lnR w="12700" cap="flat" cmpd="sng" algn="ctr">
+                      <a:solidFill>
+                        <a:schemeClr val="tx1"/>
+                      </a:solidFill>
+                      <a:prstDash val="solid"/>
+                      <a:round/>
+                      <a:headEnd type="none" w="med" len="med"/>
+                      <a:tailEnd type="none" w="med" len="med"/>
+                    </a:lnR>
+                    <a:lnT w="12700" cap="flat" cmpd="sng" algn="ctr">
+                      <a:solidFill>
+                        <a:schemeClr val="tx1"/>
+                      </a:solidFill>
+                      <a:prstDash val="solid"/>
+                      <a:round/>
+                      <a:headEnd type="none" w="med" len="med"/>
+                      <a:tailEnd type="none" w="med" len="med"/>
+                    </a:lnT>
+                    <a:lnB w="12700" cap="flat" cmpd="sng" algn="ctr">
+                      <a:solidFill>
+                        <a:schemeClr val="tx1"/>
+                      </a:solidFill>
+                      <a:prstDash val="solid"/>
+                      <a:round/>
+                      <a:headEnd type="none" w="med" len="med"/>
+                      <a:tailEnd type="none" w="med" len="med"/>
+                    </a:lnB>
+                    <a:solidFill>
+                      <a:schemeClr val="tx2">
+                        <a:lumMod val="75000"/>
+                      </a:schemeClr>
+                    </a:solidFill>
+                  </a:tcPr>
+                </a:tc>
+                <a:tc>
+                  <a:txBody>
+                    <a:bodyPr/>
+                    <a:lstStyle/>
+                    <a:p>
+                      <a:r>
+                        <a:rPr lang="en-US" b="1" i="0" dirty="0" smtClean="0">
+                          <a:solidFill>
+                            <a:schemeClr val="tx1"/>
+                          </a:solidFill>
+                        </a:rPr>
+                        <a:t>Analyze</a:t>
+                      </a:r>
+                      <a:endParaRPr lang="en-US" b="1" i="0" dirty="0">
+                        <a:solidFill>
+                          <a:schemeClr val="tx1"/>
+                        </a:solidFill>
+                      </a:endParaRPr>
+                    </a:p>
+                  </a:txBody>
+                  <a:tcPr>
+                    <a:lnL w="12700" cap="flat" cmpd="sng" algn="ctr">
+                      <a:solidFill>
+                        <a:schemeClr val="tx1"/>
+                      </a:solidFill>
+                      <a:prstDash val="solid"/>
+                      <a:round/>
+                      <a:headEnd type="none" w="med" len="med"/>
+                      <a:tailEnd type="none" w="med" len="med"/>
+                    </a:lnL>
+                    <a:lnR w="12700" cap="flat" cmpd="sng" algn="ctr">
+                      <a:solidFill>
+                        <a:schemeClr val="tx1"/>
+                      </a:solidFill>
+                      <a:prstDash val="solid"/>
+                      <a:round/>
+                      <a:headEnd type="none" w="med" len="med"/>
+                      <a:tailEnd type="none" w="med" len="med"/>
+                    </a:lnR>
+                    <a:lnT w="12700" cap="flat" cmpd="sng" algn="ctr">
+                      <a:solidFill>
+                        <a:schemeClr val="tx1"/>
+                      </a:solidFill>
+                      <a:prstDash val="solid"/>
+                      <a:round/>
+                      <a:headEnd type="none" w="med" len="med"/>
+                      <a:tailEnd type="none" w="med" len="med"/>
+                    </a:lnT>
+                    <a:lnB w="12700" cap="flat" cmpd="sng" algn="ctr">
+                      <a:solidFill>
+                        <a:schemeClr val="tx1"/>
+                      </a:solidFill>
+                      <a:prstDash val="solid"/>
+                      <a:round/>
+                      <a:headEnd type="none" w="med" len="med"/>
+                      <a:tailEnd type="none" w="med" len="med"/>
+                    </a:lnB>
+                    <a:solidFill>
+                      <a:schemeClr val="tx2">
+                        <a:lumMod val="40000"/>
+                        <a:lumOff val="60000"/>
+                      </a:schemeClr>
+                    </a:solidFill>
+                  </a:tcPr>
+                </a:tc>
+              </a:tr>
+            </a:tbl>
+          </a:graphicData>
+        </a:graphic>
+      </p:graphicFrame>
+      <p:sp>
+        <p:nvSpPr>
+          <p:cNvPr id="5" name="TextBox 4"/>
+          <p:cNvSpPr txBox="1"/>
+          <p:nvPr/>
+        </p:nvSpPr>
+        <p:spPr>
+          <a:xfrm>
+            <a:off x="457200" y="3200400"/>
+            <a:ext cx="8305800" cy="2677656"/>
+          </a:xfrm>
+          <a:prstGeom prst="rect">
+            <a:avLst/>
+          </a:prstGeom>
+          <a:noFill/>
+        </p:spPr>
+        <p:txBody>
+          <a:bodyPr wrap="square" rtlCol="0">
+            <a:spAutoFit/>
+          </a:bodyPr>
+          <a:lstStyle/>
+          <a:p>
+            <a:pPr algn="just"/>
+            <a:r>
+              <a:rPr lang="en-US" sz="2400" b="1" dirty="0" smtClean="0"/>
+              <a:t>This requirement comes directly from the Team Bravo RFP and is a key factor in meeting the mission success criteria of the proposed mission</a:t>
+            </a:r>
+          </a:p>
+          <a:p>
+            <a:pPr algn="just"/>
+            <a:endParaRPr lang="en-US" sz="2400" b="1" dirty="0" smtClean="0"/>
+          </a:p>
+          <a:p>
+            <a:pPr algn="just"/>
+            <a:r>
+              <a:rPr lang="en-US" sz="2400" b="1" dirty="0" smtClean="0"/>
+              <a:t>Once again, this process would likely be executed autonomously, with verification of its completion coming after it has already been executed</a:t>
+            </a:r>
+            <a:endParaRPr lang="en-US" sz="2400" b="1" dirty="0" smtClean="0"/>
+          </a:p>
+        </p:txBody>
+      </p:sp>
+    </p:spTree>
+    <p:extLst>
+      <p:ext uri="{BB962C8B-B14F-4D97-AF65-F5344CB8AC3E}">
+        <p14:creationId xmlns:p14="http://schemas.microsoft.com/office/powerpoint/2010/main" xmlns="" val="2711901525"/>
+      </p:ext>
+    </p:extLst>
+  </p:cSld>
+  <p:clrMapOvr>
+    <a:masterClrMapping/>
+  </p:clrMapOvr>
+  <p:timing>
+    <p:tnLst>
+      <p:par>
+        <p:cTn id="1" dur="indefinite" restart="never" nodeType="tmRoot"/>
+      </p:par>
+    </p:tnLst>
+  </p:timing>
+</p:sld>
+</file>
+
+<file path=ppt/slides/slide9.xml><?xml version="1.0" encoding="utf-8"?>
+<p:sld xmlns:a="http://schemas.openxmlformats.org/drawingml/2006/main" xmlns:r="http://schemas.openxmlformats.org/officeDocument/2006/relationships" xmlns:p="http://schemas.openxmlformats.org/presentationml/2006/main">
+  <p:cSld>
+    <p:spTree>
+      <p:nvGrpSpPr>
+        <p:cNvPr id="1" name=""/>
+        <p:cNvGrpSpPr/>
+        <p:nvPr/>
+      </p:nvGrpSpPr>
+      <p:grpSpPr>
+        <a:xfrm>
+          <a:off x="0" y="0"/>
+          <a:ext cx="0" cy="0"/>
+          <a:chOff x="0" y="0"/>
+          <a:chExt cx="0" cy="0"/>
+        </a:xfrm>
+      </p:grpSpPr>
+      <p:graphicFrame>
+        <p:nvGraphicFramePr>
+          <p:cNvPr id="4" name="Content Placeholder 3"/>
+          <p:cNvGraphicFramePr>
+            <a:graphicFrameLocks noGrp="1"/>
+          </p:cNvGraphicFramePr>
+          <p:nvPr>
+            <p:ph idx="1"/>
+            <p:extLst>
+              <p:ext uri="{D42A27DB-BD31-4B8C-83A1-F6EECF244321}">
+                <p14:modId xmlns:p14="http://schemas.microsoft.com/office/powerpoint/2010/main" xmlns="" val="1483644448"/>
+              </p:ext>
+            </p:extLst>
+          </p:nvPr>
+        </p:nvGraphicFramePr>
+        <p:xfrm>
+          <a:off x="533400" y="1143000"/>
+          <a:ext cx="8229600" cy="1930400"/>
+        </p:xfrm>
+        <a:graphic>
+          <a:graphicData uri="http://schemas.openxmlformats.org/drawingml/2006/table">
+            <a:tbl>
+              <a:tblPr firstRow="1" bandRow="1">
+                <a:tableStyleId>{5C22544A-7EE6-4342-B048-85BDC9FD1C3A}</a:tableStyleId>
+              </a:tblPr>
+              <a:tblGrid>
+                <a:gridCol w="3200400"/>
+                <a:gridCol w="5029200"/>
+              </a:tblGrid>
+              <a:tr h="370840">
+                <a:tc>
+                  <a:txBody>
+                    <a:bodyPr/>
+                    <a:lstStyle/>
+                    <a:p>
+                      <a:r>
+                        <a:rPr lang="en-US" b="0" dirty="0" smtClean="0">
+                          <a:solidFill>
+                            <a:schemeClr val="bg1"/>
+                          </a:solidFill>
+                        </a:rPr>
+                        <a:t> RVM Requirement Number</a:t>
+                      </a:r>
+                      <a:endParaRPr lang="en-US" b="0" dirty="0">
+                        <a:solidFill>
+                          <a:schemeClr val="bg1"/>
+                        </a:solidFill>
+                      </a:endParaRPr>
+                    </a:p>
+                  </a:txBody>
+                  <a:tcPr anchor="ctr">
+                    <a:lnL w="12700" cap="flat" cmpd="sng" algn="ctr">
+                      <a:solidFill>
+                        <a:schemeClr val="tx1"/>
+                      </a:solidFill>
+                      <a:prstDash val="solid"/>
+                      <a:round/>
+                      <a:headEnd type="none" w="med" len="med"/>
+                      <a:tailEnd type="none" w="med" len="med"/>
+                    </a:lnL>
+                    <a:lnR w="12700" cap="flat" cmpd="sng" algn="ctr">
+                      <a:solidFill>
+                        <a:schemeClr val="tx1"/>
+                      </a:solidFill>
+                      <a:prstDash val="solid"/>
+                      <a:round/>
+                      <a:headEnd type="none" w="med" len="med"/>
+                      <a:tailEnd type="none" w="med" len="med"/>
+                    </a:lnR>
+                    <a:lnT w="12700" cap="flat" cmpd="sng" algn="ctr">
+                      <a:solidFill>
+                        <a:schemeClr val="tx1"/>
+                      </a:solidFill>
+                      <a:prstDash val="solid"/>
+                      <a:round/>
+                      <a:headEnd type="none" w="med" len="med"/>
+                      <a:tailEnd type="none" w="med" len="med"/>
+                    </a:lnT>
+                    <a:lnB w="12700" cap="flat" cmpd="sng" algn="ctr">
+                      <a:solidFill>
+                        <a:schemeClr val="tx1"/>
+                      </a:solidFill>
+                      <a:prstDash val="solid"/>
+                      <a:round/>
+                      <a:headEnd type="none" w="med" len="med"/>
+                      <a:tailEnd type="none" w="med" len="med"/>
+                    </a:lnB>
+                    <a:solidFill>
+                      <a:schemeClr val="tx2">
+                        <a:lumMod val="75000"/>
+                      </a:schemeClr>
+                    </a:solidFill>
+                  </a:tcPr>
+                </a:tc>
+                <a:tc>
+                  <a:txBody>
+                    <a:bodyPr/>
+                    <a:lstStyle/>
+                    <a:p>
+                      <a:r>
+                        <a:rPr lang="en-US" b="1" dirty="0" smtClean="0">
+                          <a:solidFill>
+                            <a:schemeClr val="tx1"/>
+                          </a:solidFill>
+                        </a:rPr>
+                        <a:t>RCL.RDZ.MOP1</a:t>
+                      </a:r>
+                      <a:endParaRPr lang="en-US" b="1" dirty="0">
+                        <a:solidFill>
+                          <a:schemeClr val="tx1"/>
+                        </a:solidFill>
+                      </a:endParaRPr>
+                    </a:p>
+                  </a:txBody>
+                  <a:tcPr>
+                    <a:lnL w="12700" cap="flat" cmpd="sng" algn="ctr">
+                      <a:solidFill>
+                        <a:schemeClr val="tx1"/>
+                      </a:solidFill>
+                      <a:prstDash val="solid"/>
+                      <a:round/>
+                      <a:headEnd type="none" w="med" len="med"/>
+                      <a:tailEnd type="none" w="med" len="med"/>
+                    </a:lnL>
+                    <a:lnR w="12700" cap="flat" cmpd="sng" algn="ctr">
+                      <a:solidFill>
+                        <a:schemeClr val="tx1"/>
+                      </a:solidFill>
+                      <a:prstDash val="solid"/>
+                      <a:round/>
+                      <a:headEnd type="none" w="med" len="med"/>
+                      <a:tailEnd type="none" w="med" len="med"/>
+                    </a:lnR>
+                    <a:lnT w="12700" cap="flat" cmpd="sng" algn="ctr">
+                      <a:solidFill>
+                        <a:schemeClr val="tx1"/>
+                      </a:solidFill>
+                      <a:prstDash val="solid"/>
+                      <a:round/>
+                      <a:headEnd type="none" w="med" len="med"/>
+                      <a:tailEnd type="none" w="med" len="med"/>
+                    </a:lnT>
+                    <a:lnB w="12700" cap="flat" cmpd="sng" algn="ctr">
+                      <a:solidFill>
+                        <a:schemeClr val="tx1"/>
+                      </a:solidFill>
+                      <a:prstDash val="solid"/>
+                      <a:round/>
+                      <a:headEnd type="none" w="med" len="med"/>
+                      <a:tailEnd type="none" w="med" len="med"/>
+                    </a:lnB>
+                    <a:solidFill>
+                      <a:schemeClr val="tx2">
+                        <a:lumMod val="40000"/>
+                        <a:lumOff val="60000"/>
+                      </a:schemeClr>
+                    </a:solidFill>
+                  </a:tcPr>
+                </a:tc>
+              </a:tr>
+              <a:tr h="370840">
+                <a:tc>
+                  <a:txBody>
+                    <a:bodyPr/>
+                    <a:lstStyle/>
+                    <a:p>
+                      <a:r>
+                        <a:rPr lang="en-US" b="0" dirty="0" smtClean="0">
+                          <a:solidFill>
+                            <a:schemeClr val="bg1"/>
+                          </a:solidFill>
+                        </a:rPr>
+                        <a:t>RVM </a:t>
+                      </a:r>
+                      <a:r>
+                        <a:rPr lang="en-US" b="0" baseline="0" dirty="0" smtClean="0">
+                          <a:solidFill>
+                            <a:schemeClr val="bg1"/>
+                          </a:solidFill>
+                        </a:rPr>
+                        <a:t>Requirement Wording</a:t>
+                      </a:r>
+                      <a:endParaRPr lang="en-US" b="0" dirty="0">
+                        <a:solidFill>
+                          <a:schemeClr val="bg1"/>
+                        </a:solidFill>
+                      </a:endParaRPr>
+                    </a:p>
+                  </a:txBody>
+                  <a:tcPr anchor="ctr">
+                    <a:lnL w="12700" cap="flat" cmpd="sng" algn="ctr">
+                      <a:solidFill>
+                        <a:schemeClr val="tx1"/>
+                      </a:solidFill>
+                      <a:prstDash val="solid"/>
+                      <a:round/>
+                      <a:headEnd type="none" w="med" len="med"/>
+                      <a:tailEnd type="none" w="med" len="med"/>
+                    </a:lnL>
+                    <a:lnR w="12700" cap="flat" cmpd="sng" algn="ctr">
+                      <a:solidFill>
+                        <a:schemeClr val="tx1"/>
+                      </a:solidFill>
+                      <a:prstDash val="solid"/>
+                      <a:round/>
+                      <a:headEnd type="none" w="med" len="med"/>
+                      <a:tailEnd type="none" w="med" len="med"/>
+                    </a:lnR>
+                    <a:lnT w="12700" cap="flat" cmpd="sng" algn="ctr">
+                      <a:solidFill>
+                        <a:schemeClr val="tx1"/>
+                      </a:solidFill>
+                      <a:prstDash val="solid"/>
+                      <a:round/>
+                      <a:headEnd type="none" w="med" len="med"/>
+                      <a:tailEnd type="none" w="med" len="med"/>
+                    </a:lnT>
+                    <a:lnB w="12700" cap="flat" cmpd="sng" algn="ctr">
+                      <a:solidFill>
+                        <a:schemeClr val="tx1"/>
+                      </a:solidFill>
+                      <a:prstDash val="solid"/>
+                      <a:round/>
+                      <a:headEnd type="none" w="med" len="med"/>
+                      <a:tailEnd type="none" w="med" len="med"/>
+                    </a:lnB>
+                    <a:solidFill>
+                      <a:schemeClr val="tx2">
+                        <a:lumMod val="75000"/>
+                      </a:schemeClr>
+                    </a:solidFill>
+                  </a:tcPr>
+                </a:tc>
+                <a:tc>
+                  <a:txBody>
+                    <a:bodyPr/>
+                    <a:lstStyle/>
+                    <a:p>
+                      <a:r>
+                        <a:rPr lang="en-US" b="1" i="1" dirty="0" smtClean="0">
+                          <a:solidFill>
+                            <a:schemeClr val="tx1"/>
+                          </a:solidFill>
+                        </a:rPr>
+                        <a:t>“Jade and Turquoise Shall be Able to Perform a Rendezvous by Decreasing the Relative Displacement Between Each Other to Within 50 meters for at Least</a:t>
+                      </a:r>
+                      <a:r>
+                        <a:rPr lang="en-US" b="1" i="1" baseline="0" dirty="0" smtClean="0">
+                          <a:solidFill>
+                            <a:schemeClr val="tx1"/>
+                          </a:solidFill>
+                        </a:rPr>
+                        <a:t> 5 Orbits</a:t>
+                      </a:r>
+                      <a:r>
+                        <a:rPr lang="en-US" b="1" i="1" dirty="0" smtClean="0">
+                          <a:solidFill>
+                            <a:schemeClr val="tx1"/>
+                          </a:solidFill>
+                        </a:rPr>
+                        <a:t>”</a:t>
+                      </a:r>
+                      <a:endParaRPr lang="en-US" b="1" i="1" dirty="0">
+                        <a:solidFill>
+                          <a:schemeClr val="tx1"/>
+                        </a:solidFill>
+                      </a:endParaRPr>
+                    </a:p>
+                  </a:txBody>
+                  <a:tcPr>
+                    <a:lnL w="12700" cap="flat" cmpd="sng" algn="ctr">
+                      <a:solidFill>
+                        <a:schemeClr val="tx1"/>
+                      </a:solidFill>
+                      <a:prstDash val="solid"/>
+                      <a:round/>
+                      <a:headEnd type="none" w="med" len="med"/>
+                      <a:tailEnd type="none" w="med" len="med"/>
+                    </a:lnL>
+                    <a:lnR w="12700" cap="flat" cmpd="sng" algn="ctr">
+                      <a:solidFill>
+                        <a:schemeClr val="tx1"/>
+                      </a:solidFill>
+                      <a:prstDash val="solid"/>
+                      <a:round/>
+                      <a:headEnd type="none" w="med" len="med"/>
+                      <a:tailEnd type="none" w="med" len="med"/>
+                    </a:lnR>
+                    <a:lnT w="12700" cap="flat" cmpd="sng" algn="ctr">
+                      <a:solidFill>
+                        <a:schemeClr val="tx1"/>
+                      </a:solidFill>
+                      <a:prstDash val="solid"/>
+                      <a:round/>
+                      <a:headEnd type="none" w="med" len="med"/>
+                      <a:tailEnd type="none" w="med" len="med"/>
+                    </a:lnT>
+                    <a:lnB w="12700" cap="flat" cmpd="sng" algn="ctr">
+                      <a:solidFill>
+                        <a:schemeClr val="tx1"/>
+                      </a:solidFill>
+                      <a:prstDash val="solid"/>
+                      <a:round/>
+                      <a:headEnd type="none" w="med" len="med"/>
+                      <a:tailEnd type="none" w="med" len="med"/>
+                    </a:lnB>
+                    <a:solidFill>
+                      <a:schemeClr val="tx2">
+                        <a:lumMod val="40000"/>
+                        <a:lumOff val="60000"/>
+                      </a:schemeClr>
+                    </a:solidFill>
+                  </a:tcPr>
+                </a:tc>
+              </a:tr>
+              <a:tr h="370840">
+                <a:tc>
+                  <a:txBody>
+                    <a:bodyPr/>
+                    <a:lstStyle/>
+                    <a:p>
+                      <a:r>
+                        <a:rPr lang="en-US" b="0" dirty="0" smtClean="0">
+                          <a:solidFill>
+                            <a:schemeClr val="bg1"/>
+                          </a:solidFill>
+                        </a:rPr>
+                        <a:t>Validation Method</a:t>
+                      </a:r>
+                      <a:endParaRPr lang="en-US" b="0" dirty="0">
+                        <a:solidFill>
+                          <a:schemeClr val="bg1"/>
+                        </a:solidFill>
+                      </a:endParaRPr>
+                    </a:p>
+                  </a:txBody>
+                  <a:tcPr anchor="ctr">
+                    <a:lnL w="12700" cap="flat" cmpd="sng" algn="ctr">
+                      <a:solidFill>
+                        <a:schemeClr val="tx1"/>
+                      </a:solidFill>
+                      <a:prstDash val="solid"/>
+                      <a:round/>
+                      <a:headEnd type="none" w="med" len="med"/>
+                      <a:tailEnd type="none" w="med" len="med"/>
+                    </a:lnL>
+                    <a:lnR w="12700" cap="flat" cmpd="sng" algn="ctr">
+                      <a:solidFill>
+                        <a:schemeClr val="tx1"/>
+                      </a:solidFill>
+                      <a:prstDash val="solid"/>
+                      <a:round/>
+                      <a:headEnd type="none" w="med" len="med"/>
+                      <a:tailEnd type="none" w="med" len="med"/>
+                    </a:lnR>
+                    <a:lnT w="12700" cap="flat" cmpd="sng" algn="ctr">
+                      <a:solidFill>
+                        <a:schemeClr val="tx1"/>
+                      </a:solidFill>
+                      <a:prstDash val="solid"/>
+                      <a:round/>
+                      <a:headEnd type="none" w="med" len="med"/>
+                      <a:tailEnd type="none" w="med" len="med"/>
+                    </a:lnT>
+                    <a:lnB w="12700" cap="flat" cmpd="sng" algn="ctr">
+                      <a:solidFill>
+                        <a:schemeClr val="tx1"/>
+                      </a:solidFill>
+                      <a:prstDash val="solid"/>
+                      <a:round/>
+                      <a:headEnd type="none" w="med" len="med"/>
+                      <a:tailEnd type="none" w="med" len="med"/>
+                    </a:lnB>
+                    <a:solidFill>
+                      <a:schemeClr val="tx2">
+                        <a:lumMod val="75000"/>
+                      </a:schemeClr>
+                    </a:solidFill>
+                  </a:tcPr>
+                </a:tc>
+                <a:tc>
+                  <a:txBody>
+                    <a:bodyPr/>
+                    <a:lstStyle/>
+                    <a:p>
+                      <a:r>
+                        <a:rPr lang="en-US" b="1" i="0" dirty="0" smtClean="0">
+                          <a:solidFill>
+                            <a:schemeClr val="tx1"/>
+                          </a:solidFill>
+                        </a:rPr>
+                        <a:t>Analyze</a:t>
+                      </a:r>
+                      <a:endParaRPr lang="en-US" b="1" i="0" dirty="0">
+                        <a:solidFill>
+                          <a:schemeClr val="tx1"/>
+                        </a:solidFill>
+                      </a:endParaRPr>
+                    </a:p>
+                  </a:txBody>
+                  <a:tcPr>
+                    <a:lnL w="12700" cap="flat" cmpd="sng" algn="ctr">
+                      <a:solidFill>
+                        <a:schemeClr val="tx1"/>
+                      </a:solidFill>
+                      <a:prstDash val="solid"/>
+                      <a:round/>
+                      <a:headEnd type="none" w="med" len="med"/>
+                      <a:tailEnd type="none" w="med" len="med"/>
+                    </a:lnL>
+                    <a:lnR w="12700" cap="flat" cmpd="sng" algn="ctr">
+                      <a:solidFill>
+                        <a:schemeClr val="tx1"/>
+                      </a:solidFill>
+                      <a:prstDash val="solid"/>
+                      <a:round/>
+                      <a:headEnd type="none" w="med" len="med"/>
+                      <a:tailEnd type="none" w="med" len="med"/>
+                    </a:lnR>
+                    <a:lnT w="12700" cap="flat" cmpd="sng" algn="ctr">
+                      <a:solidFill>
+                        <a:schemeClr val="tx1"/>
+                      </a:solidFill>
+                      <a:prstDash val="solid"/>
+                      <a:round/>
+                      <a:headEnd type="none" w="med" len="med"/>
+                      <a:tailEnd type="none" w="med" len="med"/>
+                    </a:lnT>
+                    <a:lnB w="12700" cap="flat" cmpd="sng" algn="ctr">
+                      <a:solidFill>
+                        <a:schemeClr val="tx1"/>
+                      </a:solidFill>
+                      <a:prstDash val="solid"/>
+                      <a:round/>
+                      <a:headEnd type="none" w="med" len="med"/>
+                      <a:tailEnd type="none" w="med" len="med"/>
+                    </a:lnB>
+                    <a:solidFill>
+                      <a:schemeClr val="tx2">
+                        <a:lumMod val="40000"/>
+                        <a:lumOff val="60000"/>
+                      </a:schemeClr>
+                    </a:solidFill>
+                  </a:tcPr>
+                </a:tc>
+              </a:tr>
+            </a:tbl>
+          </a:graphicData>
+        </a:graphic>
+      </p:graphicFrame>
+      <p:sp>
+        <p:nvSpPr>
+          <p:cNvPr id="5" name="TextBox 4"/>
+          <p:cNvSpPr txBox="1"/>
+          <p:nvPr/>
+        </p:nvSpPr>
+        <p:spPr>
+          <a:xfrm>
+            <a:off x="457200" y="3200400"/>
+            <a:ext cx="8305800" cy="2677656"/>
+          </a:xfrm>
+          <a:prstGeom prst="rect">
+            <a:avLst/>
+          </a:prstGeom>
+          <a:noFill/>
+        </p:spPr>
+        <p:txBody>
+          <a:bodyPr wrap="square" rtlCol="0">
+            <a:spAutoFit/>
+          </a:bodyPr>
+          <a:lstStyle/>
+          <a:p>
+            <a:pPr algn="just"/>
+            <a:r>
+              <a:rPr lang="en-US" sz="2400" b="1" dirty="0" smtClean="0"/>
+              <a:t>This requirement comes directly from the Team Bravo RFP and is a key factor in meeting the mission success criteria of the proposed mission</a:t>
+            </a:r>
+          </a:p>
+          <a:p>
+            <a:pPr algn="just"/>
+            <a:endParaRPr lang="en-US" sz="2400" b="1" dirty="0" smtClean="0"/>
+          </a:p>
+          <a:p>
+            <a:pPr algn="just"/>
+            <a:r>
+              <a:rPr lang="en-US" sz="2400" b="1" dirty="0" smtClean="0"/>
+              <a:t>This process would be executed at the completion of the “Escape” Maneuver, with verification of its completion coming after it has already occurred</a:t>
+            </a:r>
+            <a:endParaRPr lang="en-US" sz="2400" b="1" dirty="0" smtClean="0"/>
+          </a:p>
+        </p:txBody>
+      </p:sp>
+    </p:spTree>
+    <p:extLst>
+      <p:ext uri="{BB962C8B-B14F-4D97-AF65-F5344CB8AC3E}">
+        <p14:creationId xmlns:p14="http://schemas.microsoft.com/office/powerpoint/2010/main" xmlns="" val="2711901525"/>
+      </p:ext>
+    </p:extLst>
+  </p:cSld>
+  <p:clrMapOvr>
+    <a:masterClrMapping/>
+  </p:clrMapOvr>
+  <p:timing>
+    <p:tnLst>
+      <p:par>
+        <p:cTn id="1" dur="indefinite" restart="never" nodeType="tmRoot"/>
+      </p:par>
+    </p:tnLst>
+  </p:timing>
+</p:sld>
+</file>
+
 <file path=ppt/theme/theme1.xml><?xml version="1.0" encoding="utf-8"?>
 <a:theme xmlns:a="http://schemas.openxmlformats.org/drawingml/2006/main" name="Office Theme">
   <a:themeElements>
